--- a/manual/Others/GQ 1.12.pptx
+++ b/manual/Others/GQ 1.12.pptx
@@ -5,7 +5,7 @@
     <p:sldMasterId id="2147483648" r:id="rId1"/>
   </p:sldMasterIdLst>
   <p:notesMasterIdLst>
-    <p:notesMasterId r:id="rId18"/>
+    <p:notesMasterId r:id="rId21"/>
   </p:notesMasterIdLst>
   <p:sldIdLst>
     <p:sldId id="257" r:id="rId3"/>
@@ -14,73 +14,76 @@
     <p:sldId id="301" r:id="rId6"/>
     <p:sldId id="371" r:id="rId7"/>
     <p:sldId id="311" r:id="rId8"/>
-    <p:sldId id="316" r:id="rId9"/>
-    <p:sldId id="315" r:id="rId10"/>
-    <p:sldId id="318" r:id="rId11"/>
-    <p:sldId id="324" r:id="rId12"/>
-    <p:sldId id="323" r:id="rId13"/>
-    <p:sldId id="325" r:id="rId14"/>
-    <p:sldId id="326" r:id="rId15"/>
-    <p:sldId id="327" r:id="rId16"/>
-    <p:sldId id="330" r:id="rId17"/>
-    <p:sldId id="348" r:id="rId19"/>
-    <p:sldId id="336" r:id="rId20"/>
-    <p:sldId id="331" r:id="rId21"/>
-    <p:sldId id="332" r:id="rId22"/>
-    <p:sldId id="335" r:id="rId23"/>
-    <p:sldId id="333" r:id="rId24"/>
-    <p:sldId id="337" r:id="rId25"/>
-    <p:sldId id="338" r:id="rId26"/>
-    <p:sldId id="339" r:id="rId27"/>
-    <p:sldId id="340" r:id="rId28"/>
-    <p:sldId id="350" r:id="rId29"/>
-    <p:sldId id="349" r:id="rId30"/>
-    <p:sldId id="328" r:id="rId31"/>
-    <p:sldId id="343" r:id="rId32"/>
-    <p:sldId id="344" r:id="rId33"/>
-    <p:sldId id="351" r:id="rId34"/>
-    <p:sldId id="342" r:id="rId35"/>
-    <p:sldId id="345" r:id="rId36"/>
-    <p:sldId id="341" r:id="rId37"/>
-    <p:sldId id="346" r:id="rId38"/>
-    <p:sldId id="352" r:id="rId39"/>
-    <p:sldId id="347" r:id="rId40"/>
+    <p:sldId id="404" r:id="rId9"/>
+    <p:sldId id="406" r:id="rId10"/>
+    <p:sldId id="316" r:id="rId11"/>
+    <p:sldId id="439" r:id="rId12"/>
+    <p:sldId id="315" r:id="rId13"/>
+    <p:sldId id="318" r:id="rId14"/>
+    <p:sldId id="324" r:id="rId15"/>
+    <p:sldId id="323" r:id="rId16"/>
+    <p:sldId id="325" r:id="rId17"/>
+    <p:sldId id="326" r:id="rId18"/>
+    <p:sldId id="327" r:id="rId19"/>
+    <p:sldId id="330" r:id="rId20"/>
+    <p:sldId id="348" r:id="rId22"/>
+    <p:sldId id="336" r:id="rId23"/>
+    <p:sldId id="331" r:id="rId24"/>
+    <p:sldId id="332" r:id="rId25"/>
+    <p:sldId id="335" r:id="rId26"/>
+    <p:sldId id="333" r:id="rId27"/>
+    <p:sldId id="337" r:id="rId28"/>
+    <p:sldId id="338" r:id="rId29"/>
+    <p:sldId id="339" r:id="rId30"/>
+    <p:sldId id="340" r:id="rId31"/>
+    <p:sldId id="350" r:id="rId32"/>
+    <p:sldId id="349" r:id="rId33"/>
+    <p:sldId id="328" r:id="rId34"/>
+    <p:sldId id="343" r:id="rId35"/>
+    <p:sldId id="344" r:id="rId36"/>
+    <p:sldId id="351" r:id="rId37"/>
+    <p:sldId id="342" r:id="rId38"/>
+    <p:sldId id="345" r:id="rId39"/>
+    <p:sldId id="341" r:id="rId40"/>
+    <p:sldId id="346" r:id="rId41"/>
+    <p:sldId id="352" r:id="rId42"/>
+    <p:sldId id="347" r:id="rId43"/>
   </p:sldIdLst>
   <p:sldSz cx="12192000" cy="6858000"/>
   <p:notesSz cx="6858000" cy="9144000"/>
   <p:embeddedFontLst>
     <p:embeddedFont>
       <p:font typeface="Tahoma" panose="020B0604030504040204" pitchFamily="34" charset="0"/>
-      <p:regular r:id="rId44"/>
-      <p:bold r:id="rId45"/>
+      <p:regular r:id="rId47"/>
+      <p:bold r:id="rId48"/>
     </p:embeddedFont>
     <p:embeddedFont>
       <p:font typeface="微软雅黑" panose="020B0503020204020204" pitchFamily="34" charset="-122"/>
-      <p:regular r:id="rId46"/>
+      <p:regular r:id="rId49"/>
     </p:embeddedFont>
     <p:embeddedFont>
       <p:font typeface="时尚中黑简体" panose="01010104010101010101" pitchFamily="2" charset="-122"/>
-      <p:regular r:id="rId47"/>
+      <p:regular r:id="rId50"/>
     </p:embeddedFont>
     <p:embeddedFont>
       <p:font typeface="Calibri" panose="020F0502020204030204" charset="0"/>
-      <p:regular r:id="rId48"/>
-      <p:bold r:id="rId49"/>
-      <p:italic r:id="rId50"/>
-      <p:boldItalic r:id="rId51"/>
+      <p:regular r:id="rId51"/>
+      <p:bold r:id="rId52"/>
+      <p:italic r:id="rId53"/>
+      <p:boldItalic r:id="rId54"/>
     </p:embeddedFont>
     <p:embeddedFont>
       <p:font typeface="Calibri Light" panose="020F0302020204030204" charset="0"/>
-      <p:regular r:id="rId52"/>
-      <p:italic r:id="rId53"/>
+      <p:regular r:id="rId55"/>
+      <p:italic r:id="rId56"/>
     </p:embeddedFont>
     <p:embeddedFont>
       <p:font typeface="幼圆" panose="02010509060101010101" pitchFamily="49" charset="-122"/>
-      <p:regular r:id="rId54"/>
+      <p:regular r:id="rId57"/>
     </p:embeddedFont>
     <p:embeddedFont>
       <p:font typeface="华文琥珀" panose="02010800040101010101" pitchFamily="2" charset="-122"/>
-      <p:regular r:id="rId55"/>
+      <p:regular r:id="rId58"/>
     </p:embeddedFont>
   </p:embeddedFontLst>
   <p:defaultTextStyle>
@@ -5138,6 +5141,322 @@
         <p:cNvGrpSpPr/>
         <p:nvPr/>
       </p:nvGrpSpPr>
+      <p:grpSpPr/>
+      <p:sp>
+        <p:nvSpPr>
+          <p:cNvPr id="2" name="标题 1"/>
+          <p:cNvSpPr>
+            <a:spLocks noGrp="1"/>
+          </p:cNvSpPr>
+          <p:nvPr>
+            <p:ph type="title"/>
+          </p:nvPr>
+        </p:nvSpPr>
+        <p:spPr/>
+        <p:txBody>
+          <a:bodyPr/>
+          <a:p>
+            <a:r>
+              <a:rPr lang="en-US" altLang="zh-CN"/>
+              <a:t>Spring data Samples</a:t>
+            </a:r>
+            <a:endParaRPr lang="en-US" altLang="zh-CN"/>
+          </a:p>
+        </p:txBody>
+      </p:sp>
+      <p:sp>
+        <p:nvSpPr>
+          <p:cNvPr id="3" name="内容占位符 2"/>
+          <p:cNvSpPr>
+            <a:spLocks noGrp="1"/>
+          </p:cNvSpPr>
+          <p:nvPr>
+            <p:ph idx="1"/>
+          </p:nvPr>
+        </p:nvSpPr>
+        <p:spPr/>
+        <p:txBody>
+          <a:bodyPr/>
+          <a:p>
+            <a:r>
+              <a:rPr lang="en-US" altLang="zh-CN"/>
+              <a:t>Sample of Spring-data repository</a:t>
+            </a:r>
+            <a:endParaRPr lang="en-US" altLang="zh-CN"/>
+          </a:p>
+          <a:p>
+            <a:r>
+              <a:rPr lang="en-US" altLang="zh-CN"/>
+              <a:t>@FindBy</a:t>
+            </a:r>
+            <a:endParaRPr lang="en-US" altLang="zh-CN"/>
+          </a:p>
+          <a:p>
+            <a:endParaRPr lang="en-US" altLang="zh-CN"/>
+          </a:p>
+        </p:txBody>
+      </p:sp>
+    </p:spTree>
+  </p:cSld>
+  <p:clrMapOvr>
+    <a:masterClrMapping/>
+  </p:clrMapOvr>
+</p:sld>
+</file>
+
+<file path=ppt/slides/slide11.xml><?xml version="1.0" encoding="utf-8"?>
+<p:sld xmlns:a="http://schemas.openxmlformats.org/drawingml/2006/main" xmlns:r="http://schemas.openxmlformats.org/officeDocument/2006/relationships" xmlns:p="http://schemas.openxmlformats.org/presentationml/2006/main">
+  <p:cSld>
+    <p:spTree>
+      <p:nvGrpSpPr>
+        <p:cNvPr id="1" name=""/>
+        <p:cNvGrpSpPr/>
+        <p:nvPr/>
+      </p:nvGrpSpPr>
+      <p:grpSpPr>
+        <a:xfrm>
+          <a:off x="0" y="0"/>
+          <a:ext cx="0" cy="0"/>
+          <a:chOff x="0" y="0"/>
+          <a:chExt cx="0" cy="0"/>
+        </a:xfrm>
+      </p:grpSpPr>
+      <p:grpSp>
+        <p:nvGrpSpPr>
+          <p:cNvPr id="4" name="组合 3"/>
+          <p:cNvGrpSpPr/>
+          <p:nvPr/>
+        </p:nvGrpSpPr>
+        <p:grpSpPr>
+          <a:xfrm>
+            <a:off x="5062108" y="2537714"/>
+            <a:ext cx="2067783" cy="1782572"/>
+            <a:chOff x="5007865" y="1755992"/>
+            <a:chExt cx="2067783" cy="1782572"/>
+          </a:xfrm>
+        </p:grpSpPr>
+        <p:sp>
+          <p:nvSpPr>
+            <p:cNvPr id="5" name="等腰三角形 4"/>
+            <p:cNvSpPr/>
+            <p:nvPr/>
+          </p:nvSpPr>
+          <p:spPr>
+            <a:xfrm>
+              <a:off x="5007865" y="1755992"/>
+              <a:ext cx="2067783" cy="1782572"/>
+            </a:xfrm>
+            <a:prstGeom prst="triangle">
+              <a:avLst/>
+            </a:prstGeom>
+            <a:solidFill>
+              <a:schemeClr val="tx1">
+                <a:lumMod val="85000"/>
+                <a:lumOff val="15000"/>
+                <a:alpha val="66000"/>
+              </a:schemeClr>
+            </a:solidFill>
+            <a:ln>
+              <a:noFill/>
+            </a:ln>
+          </p:spPr>
+          <p:style>
+            <a:lnRef idx="2">
+              <a:schemeClr val="accent1">
+                <a:shade val="50000"/>
+              </a:schemeClr>
+            </a:lnRef>
+            <a:fillRef idx="1">
+              <a:schemeClr val="accent1"/>
+            </a:fillRef>
+            <a:effectRef idx="0">
+              <a:schemeClr val="accent1"/>
+            </a:effectRef>
+            <a:fontRef idx="minor">
+              <a:schemeClr val="lt1"/>
+            </a:fontRef>
+          </p:style>
+          <p:txBody>
+            <a:bodyPr rtlCol="0" anchor="ctr"/>
+            <a:lstStyle/>
+            <a:p>
+              <a:pPr algn="ctr"/>
+              <a:endParaRPr lang="zh-CN" altLang="en-US"/>
+            </a:p>
+          </p:txBody>
+        </p:sp>
+        <p:sp>
+          <p:nvSpPr>
+            <p:cNvPr id="6" name="文本框 13"/>
+            <p:cNvSpPr txBox="1"/>
+            <p:nvPr/>
+          </p:nvSpPr>
+          <p:spPr>
+            <a:xfrm>
+              <a:off x="5304910" y="2968729"/>
+              <a:ext cx="1518920" cy="398780"/>
+            </a:xfrm>
+            <a:prstGeom prst="rect">
+              <a:avLst/>
+            </a:prstGeom>
+            <a:noFill/>
+          </p:spPr>
+          <p:txBody>
+            <a:bodyPr wrap="none" rtlCol="0">
+              <a:spAutoFit/>
+            </a:bodyPr>
+            <a:lstStyle/>
+            <a:p>
+              <a:pPr algn="ctr"/>
+              <a:r>
+                <a:rPr lang="en-US" sz="2000" spc="200" dirty="0" smtClean="0">
+                  <a:solidFill>
+                    <a:schemeClr val="bg1">
+                      <a:alpha val="90000"/>
+                    </a:schemeClr>
+                  </a:solidFill>
+                  <a:latin typeface="微软雅黑" panose="020B0503020204020204" pitchFamily="34" charset="-122"/>
+                  <a:ea typeface="微软雅黑" panose="020B0503020204020204" pitchFamily="34" charset="-122"/>
+                  <a:sym typeface="+mn-ea"/>
+                </a:rPr>
+                <a:t>Roadmap</a:t>
+              </a:r>
+              <a:endParaRPr lang="zh-CN" altLang="en-US" sz="2000" dirty="0">
+                <a:solidFill>
+                  <a:schemeClr val="bg1">
+                    <a:alpha val="90000"/>
+                  </a:schemeClr>
+                </a:solidFill>
+                <a:latin typeface="微软雅黑" panose="020B0503020204020204" pitchFamily="34" charset="-122"/>
+                <a:ea typeface="微软雅黑" panose="020B0503020204020204" pitchFamily="34" charset="-122"/>
+              </a:endParaRPr>
+            </a:p>
+          </p:txBody>
+        </p:sp>
+        <p:sp>
+          <p:nvSpPr>
+            <p:cNvPr id="7" name="等腰三角形 6"/>
+            <p:cNvSpPr/>
+            <p:nvPr/>
+          </p:nvSpPr>
+          <p:spPr>
+            <a:xfrm>
+              <a:off x="5769500" y="1846728"/>
+              <a:ext cx="544512" cy="469407"/>
+            </a:xfrm>
+            <a:prstGeom prst="triangle">
+              <a:avLst/>
+            </a:prstGeom>
+            <a:solidFill>
+              <a:schemeClr val="tx1">
+                <a:lumMod val="85000"/>
+                <a:lumOff val="15000"/>
+                <a:alpha val="66000"/>
+              </a:schemeClr>
+            </a:solidFill>
+            <a:ln>
+              <a:noFill/>
+            </a:ln>
+          </p:spPr>
+          <p:style>
+            <a:lnRef idx="2">
+              <a:schemeClr val="accent1">
+                <a:shade val="50000"/>
+              </a:schemeClr>
+            </a:lnRef>
+            <a:fillRef idx="1">
+              <a:schemeClr val="accent1"/>
+            </a:fillRef>
+            <a:effectRef idx="0">
+              <a:schemeClr val="accent1"/>
+            </a:effectRef>
+            <a:fontRef idx="minor">
+              <a:schemeClr val="lt1"/>
+            </a:fontRef>
+          </p:style>
+          <p:txBody>
+            <a:bodyPr rtlCol="0" anchor="ctr"/>
+            <a:lstStyle/>
+            <a:p>
+              <a:pPr algn="ctr"/>
+              <a:endParaRPr lang="zh-CN" altLang="en-US"/>
+            </a:p>
+          </p:txBody>
+        </p:sp>
+        <p:sp>
+          <p:nvSpPr>
+            <p:cNvPr id="8" name="文本框 15"/>
+            <p:cNvSpPr txBox="1"/>
+            <p:nvPr/>
+          </p:nvSpPr>
+          <p:spPr>
+            <a:xfrm>
+              <a:off x="5885303" y="1919575"/>
+              <a:ext cx="310515" cy="398780"/>
+            </a:xfrm>
+            <a:prstGeom prst="rect">
+              <a:avLst/>
+            </a:prstGeom>
+            <a:noFill/>
+            <a:ln>
+              <a:noFill/>
+            </a:ln>
+          </p:spPr>
+          <p:txBody>
+            <a:bodyPr wrap="none" rtlCol="0">
+              <a:spAutoFit/>
+            </a:bodyPr>
+            <a:lstStyle/>
+            <a:p>
+              <a:r>
+                <a:rPr lang="en-US" sz="2000" b="1" smtClean="0">
+                  <a:solidFill>
+                    <a:schemeClr val="bg1">
+                      <a:alpha val="80000"/>
+                    </a:schemeClr>
+                  </a:solidFill>
+                  <a:latin typeface="时尚中黑简体" panose="01010104010101010101" pitchFamily="2" charset="-122"/>
+                  <a:ea typeface="时尚中黑简体" panose="01010104010101010101" pitchFamily="2" charset="-122"/>
+                </a:rPr>
+                <a:t>4</a:t>
+              </a:r>
+              <a:endParaRPr lang="en-US" sz="2000" b="1">
+                <a:solidFill>
+                  <a:schemeClr val="bg1">
+                    <a:alpha val="80000"/>
+                  </a:schemeClr>
+                </a:solidFill>
+                <a:latin typeface="时尚中黑简体" panose="01010104010101010101" pitchFamily="2" charset="-122"/>
+                <a:ea typeface="时尚中黑简体" panose="01010104010101010101" pitchFamily="2" charset="-122"/>
+              </a:endParaRPr>
+            </a:p>
+          </p:txBody>
+        </p:sp>
+      </p:grpSp>
+    </p:spTree>
+  </p:cSld>
+  <p:clrMapOvr>
+    <a:masterClrMapping/>
+  </p:clrMapOvr>
+  <p:timing>
+    <p:tnLst>
+      <p:par>
+        <p:cTn id="1" dur="indefinite" restart="never" nodeType="tmRoot"/>
+      </p:par>
+    </p:tnLst>
+  </p:timing>
+</p:sld>
+</file>
+
+<file path=ppt/slides/slide12.xml><?xml version="1.0" encoding="utf-8"?>
+<p:sld xmlns:a="http://schemas.openxmlformats.org/drawingml/2006/main" xmlns:r="http://schemas.openxmlformats.org/officeDocument/2006/relationships" xmlns:p="http://schemas.openxmlformats.org/presentationml/2006/main">
+  <p:cSld>
+    <p:spTree>
+      <p:nvGrpSpPr>
+        <p:cNvPr id="1" name=""/>
+        <p:cNvGrpSpPr/>
+        <p:nvPr/>
+      </p:nvGrpSpPr>
       <p:grpSpPr>
         <a:xfrm>
           <a:off x="0" y="0"/>
@@ -5162,33 +5481,176 @@
           <a:lstStyle/>
           <a:p>
             <a:r>
-              <a:rPr lang="zh-CN" altLang="en-US" smtClean="0"/>
-              <a:t>最新特性</a:t>
-            </a:r>
-            <a:endParaRPr lang="zh-CN" altLang="en-US"/>
+              <a:rPr lang="en-US" altLang="zh-CN" dirty="0" smtClean="0">
+                <a:latin typeface="微软雅黑" panose="020B0503020204020204" pitchFamily="34" charset="-122"/>
+                <a:ea typeface="微软雅黑" panose="020B0503020204020204" pitchFamily="34" charset="-122"/>
+              </a:rPr>
+              <a:t>Roadmap</a:t>
+            </a:r>
+            <a:r>
+              <a:rPr lang="zh-CN" altLang="en-US" dirty="0" smtClean="0">
+                <a:latin typeface="微软雅黑" panose="020B0503020204020204" pitchFamily="34" charset="-122"/>
+                <a:ea typeface="微软雅黑" panose="020B0503020204020204" pitchFamily="34" charset="-122"/>
+              </a:rPr>
+              <a:t>  </a:t>
+            </a:r>
+            <a:r>
+              <a:rPr lang="en-US" altLang="zh-CN" smtClean="0">
+                <a:latin typeface="微软雅黑" panose="020B0503020204020204" pitchFamily="34" charset="-122"/>
+                <a:ea typeface="微软雅黑" panose="020B0503020204020204" pitchFamily="34" charset="-122"/>
+              </a:rPr>
+              <a:t>- 2.0 —— 2018 Q3</a:t>
+            </a:r>
+            <a:endParaRPr lang="zh-CN" altLang="en-US" dirty="0">
+              <a:latin typeface="微软雅黑" panose="020B0503020204020204" pitchFamily="34" charset="-122"/>
+              <a:ea typeface="微软雅黑" panose="020B0503020204020204" pitchFamily="34" charset="-122"/>
+            </a:endParaRPr>
           </a:p>
         </p:txBody>
       </p:sp>
       <p:sp>
         <p:nvSpPr>
-          <p:cNvPr id="5" name="文本占位符 4"/>
+          <p:cNvPr id="5" name="内容占位符 4"/>
           <p:cNvSpPr>
             <a:spLocks noGrp="1"/>
           </p:cNvSpPr>
           <p:nvPr>
-            <p:ph type="body" idx="1"/>
+            <p:ph idx="1"/>
           </p:nvPr>
         </p:nvSpPr>
         <p:spPr/>
         <p:txBody>
-          <a:bodyPr/>
+          <a:bodyPr>
+            <a:normAutofit/>
+          </a:bodyPr>
           <a:lstStyle/>
           <a:p>
             <a:r>
-              <a:rPr lang="en-US" altLang="zh-CN" smtClean="0"/>
-              <a:t>New Features in 1.11.0-RELEASE</a:t>
-            </a:r>
-            <a:endParaRPr lang="zh-CN" altLang="en-US"/>
+              <a:rPr lang="en-US" altLang="zh-CN" dirty="0" smtClean="0">
+                <a:latin typeface="微软雅黑" panose="020B0503020204020204" pitchFamily="34" charset="-122"/>
+                <a:ea typeface="微软雅黑" panose="020B0503020204020204" pitchFamily="34" charset="-122"/>
+              </a:rPr>
+              <a:t>Entity class will be a POJO.</a:t>
+            </a:r>
+            <a:endParaRPr lang="en-US" altLang="zh-CN" dirty="0" smtClean="0">
+              <a:latin typeface="微软雅黑" panose="020B0503020204020204" pitchFamily="34" charset="-122"/>
+              <a:ea typeface="微软雅黑" panose="020B0503020204020204" pitchFamily="34" charset="-122"/>
+            </a:endParaRPr>
+          </a:p>
+          <a:p>
+            <a:pPr lvl="1"/>
+            <a:r>
+              <a:rPr lang="en-US" altLang="zh-CN" sz="2400" dirty="0" smtClean="0">
+                <a:latin typeface="微软雅黑" panose="020B0503020204020204" pitchFamily="34" charset="-122"/>
+                <a:ea typeface="微软雅黑" panose="020B0503020204020204" pitchFamily="34" charset="-122"/>
+              </a:rPr>
+              <a:t>Using QueryDSL, Query object will be </a:t>
+            </a:r>
+            <a:r>
+              <a:rPr lang="en-US" altLang="zh-CN" dirty="0" smtClean="0">
+                <a:latin typeface="微软雅黑" panose="020B0503020204020204" pitchFamily="34" charset="-122"/>
+                <a:ea typeface="微软雅黑" panose="020B0503020204020204" pitchFamily="34" charset="-122"/>
+                <a:sym typeface="+mn-ea"/>
+              </a:rPr>
+              <a:t>generated as Qxxxx.class</a:t>
+            </a:r>
+            <a:endParaRPr lang="en-US" altLang="zh-CN" dirty="0" smtClean="0">
+              <a:latin typeface="微软雅黑" panose="020B0503020204020204" pitchFamily="34" charset="-122"/>
+              <a:ea typeface="微软雅黑" panose="020B0503020204020204" pitchFamily="34" charset="-122"/>
+              <a:sym typeface="+mn-ea"/>
+            </a:endParaRPr>
+          </a:p>
+          <a:p>
+            <a:pPr lvl="0"/>
+            <a:r>
+              <a:rPr lang="en-US" altLang="zh-CN" sz="2800" dirty="0" smtClean="0">
+                <a:latin typeface="微软雅黑" panose="020B0503020204020204" pitchFamily="34" charset="-122"/>
+                <a:ea typeface="微软雅黑" panose="020B0503020204020204" pitchFamily="34" charset="-122"/>
+                <a:sym typeface="+mn-ea"/>
+              </a:rPr>
+              <a:t>To be more light-weight</a:t>
+            </a:r>
+            <a:endParaRPr lang="en-US" altLang="zh-CN" sz="2800" dirty="0" smtClean="0">
+              <a:latin typeface="微软雅黑" panose="020B0503020204020204" pitchFamily="34" charset="-122"/>
+              <a:ea typeface="微软雅黑" panose="020B0503020204020204" pitchFamily="34" charset="-122"/>
+              <a:sym typeface="+mn-ea"/>
+            </a:endParaRPr>
+          </a:p>
+          <a:p>
+            <a:pPr lvl="1"/>
+            <a:r>
+              <a:rPr lang="en-US" altLang="zh-CN" sz="2400" dirty="0" smtClean="0">
+                <a:latin typeface="微软雅黑" panose="020B0503020204020204" pitchFamily="34" charset="-122"/>
+                <a:ea typeface="微软雅黑" panose="020B0503020204020204" pitchFamily="34" charset="-122"/>
+                <a:sym typeface="+mn-ea"/>
+              </a:rPr>
+              <a:t>Remove connection pool feature.</a:t>
+            </a:r>
+            <a:endParaRPr lang="en-US" altLang="zh-CN" sz="2400" dirty="0" smtClean="0">
+              <a:latin typeface="微软雅黑" panose="020B0503020204020204" pitchFamily="34" charset="-122"/>
+              <a:ea typeface="微软雅黑" panose="020B0503020204020204" pitchFamily="34" charset="-122"/>
+              <a:sym typeface="+mn-ea"/>
+            </a:endParaRPr>
+          </a:p>
+          <a:p>
+            <a:pPr lvl="1"/>
+            <a:r>
+              <a:rPr lang="en-US" altLang="zh-CN" sz="2400" dirty="0" smtClean="0">
+                <a:latin typeface="微软雅黑" panose="020B0503020204020204" pitchFamily="34" charset="-122"/>
+                <a:ea typeface="微软雅黑" panose="020B0503020204020204" pitchFamily="34" charset="-122"/>
+                <a:sym typeface="+mn-ea"/>
+              </a:rPr>
+              <a:t>Remove partition-feature.</a:t>
+            </a:r>
+            <a:endParaRPr lang="en-US" altLang="zh-CN" sz="2400" dirty="0" smtClean="0">
+              <a:latin typeface="微软雅黑" panose="020B0503020204020204" pitchFamily="34" charset="-122"/>
+              <a:ea typeface="微软雅黑" panose="020B0503020204020204" pitchFamily="34" charset="-122"/>
+              <a:sym typeface="+mn-ea"/>
+            </a:endParaRPr>
+          </a:p>
+          <a:p>
+            <a:pPr lvl="1"/>
+            <a:r>
+              <a:rPr lang="en-US" altLang="zh-CN" sz="2400" dirty="0" smtClean="0">
+                <a:latin typeface="微软雅黑" panose="020B0503020204020204" pitchFamily="34" charset="-122"/>
+                <a:ea typeface="微软雅黑" panose="020B0503020204020204" pitchFamily="34" charset="-122"/>
+                <a:sym typeface="+mn-ea"/>
+              </a:rPr>
+              <a:t>Keep core-features only.</a:t>
+            </a:r>
+            <a:endParaRPr lang="en-US" altLang="zh-CN" sz="2400" dirty="0" smtClean="0">
+              <a:latin typeface="微软雅黑" panose="020B0503020204020204" pitchFamily="34" charset="-122"/>
+              <a:ea typeface="微软雅黑" panose="020B0503020204020204" pitchFamily="34" charset="-122"/>
+              <a:sym typeface="+mn-ea"/>
+            </a:endParaRPr>
+          </a:p>
+          <a:p>
+            <a:pPr lvl="1"/>
+            <a:r>
+              <a:rPr lang="en-US" altLang="zh-CN" sz="2400" dirty="0" smtClean="0">
+                <a:latin typeface="微软雅黑" panose="020B0503020204020204" pitchFamily="34" charset="-122"/>
+                <a:ea typeface="微软雅黑" panose="020B0503020204020204" pitchFamily="34" charset="-122"/>
+                <a:sym typeface="+mn-ea"/>
+              </a:rPr>
+              <a:t>Keep spring-data query API only. remove other APIs.</a:t>
+            </a:r>
+            <a:endParaRPr lang="en-US" altLang="zh-CN" sz="2400" dirty="0" smtClean="0">
+              <a:latin typeface="微软雅黑" panose="020B0503020204020204" pitchFamily="34" charset="-122"/>
+              <a:ea typeface="微软雅黑" panose="020B0503020204020204" pitchFamily="34" charset="-122"/>
+              <a:sym typeface="+mn-ea"/>
+            </a:endParaRPr>
+          </a:p>
+          <a:p>
+            <a:endParaRPr lang="en-US" altLang="zh-CN" dirty="0" smtClean="0">
+              <a:latin typeface="微软雅黑" panose="020B0503020204020204" pitchFamily="34" charset="-122"/>
+              <a:ea typeface="微软雅黑" panose="020B0503020204020204" pitchFamily="34" charset="-122"/>
+            </a:endParaRPr>
+          </a:p>
+          <a:p>
+            <a:endParaRPr lang="zh-CN" altLang="en-US" dirty="0">
+              <a:latin typeface="微软雅黑" panose="020B0503020204020204" pitchFamily="34" charset="-122"/>
+              <a:ea typeface="微软雅黑" panose="020B0503020204020204" pitchFamily="34" charset="-122"/>
+            </a:endParaRPr>
           </a:p>
         </p:txBody>
       </p:sp>
@@ -5207,7 +5669,85 @@
 </p:sld>
 </file>
 
-<file path=ppt/slides/slide11.xml><?xml version="1.0" encoding="utf-8"?>
+<file path=ppt/slides/slide13.xml><?xml version="1.0" encoding="utf-8"?>
+<p:sld xmlns:a="http://schemas.openxmlformats.org/drawingml/2006/main" xmlns:r="http://schemas.openxmlformats.org/officeDocument/2006/relationships" xmlns:p="http://schemas.openxmlformats.org/presentationml/2006/main">
+  <p:cSld>
+    <p:spTree>
+      <p:nvGrpSpPr>
+        <p:cNvPr id="1" name=""/>
+        <p:cNvGrpSpPr/>
+        <p:nvPr/>
+      </p:nvGrpSpPr>
+      <p:grpSpPr>
+        <a:xfrm>
+          <a:off x="0" y="0"/>
+          <a:ext cx="0" cy="0"/>
+          <a:chOff x="0" y="0"/>
+          <a:chExt cx="0" cy="0"/>
+        </a:xfrm>
+      </p:grpSpPr>
+      <p:sp>
+        <p:nvSpPr>
+          <p:cNvPr id="4" name="标题 3"/>
+          <p:cNvSpPr>
+            <a:spLocks noGrp="1"/>
+          </p:cNvSpPr>
+          <p:nvPr>
+            <p:ph type="title"/>
+          </p:nvPr>
+        </p:nvSpPr>
+        <p:spPr/>
+        <p:txBody>
+          <a:bodyPr/>
+          <a:lstStyle/>
+          <a:p>
+            <a:r>
+              <a:rPr lang="zh-CN" altLang="en-US" smtClean="0"/>
+              <a:t>最新特性</a:t>
+            </a:r>
+            <a:endParaRPr lang="zh-CN" altLang="en-US"/>
+          </a:p>
+        </p:txBody>
+      </p:sp>
+      <p:sp>
+        <p:nvSpPr>
+          <p:cNvPr id="5" name="文本占位符 4"/>
+          <p:cNvSpPr>
+            <a:spLocks noGrp="1"/>
+          </p:cNvSpPr>
+          <p:nvPr>
+            <p:ph type="body" idx="1"/>
+          </p:nvPr>
+        </p:nvSpPr>
+        <p:spPr/>
+        <p:txBody>
+          <a:bodyPr/>
+          <a:lstStyle/>
+          <a:p>
+            <a:r>
+              <a:rPr lang="en-US" altLang="zh-CN" smtClean="0"/>
+              <a:t>New Features in 1.11.0-RELEASE</a:t>
+            </a:r>
+            <a:endParaRPr lang="zh-CN" altLang="en-US"/>
+          </a:p>
+        </p:txBody>
+      </p:sp>
+    </p:spTree>
+  </p:cSld>
+  <p:clrMapOvr>
+    <a:masterClrMapping/>
+  </p:clrMapOvr>
+  <p:timing>
+    <p:tnLst>
+      <p:par>
+        <p:cTn id="1" dur="indefinite" restart="never" nodeType="tmRoot"/>
+      </p:par>
+    </p:tnLst>
+  </p:timing>
+</p:sld>
+</file>
+
+<file path=ppt/slides/slide14.xml><?xml version="1.0" encoding="utf-8"?>
 <p:sld xmlns:a="http://schemas.openxmlformats.org/drawingml/2006/main" xmlns:r="http://schemas.openxmlformats.org/officeDocument/2006/relationships" xmlns:p="http://schemas.openxmlformats.org/presentationml/2006/main">
   <p:cSld>
     <p:spTree>
@@ -6225,7 +6765,7 @@
 </p:sld>
 </file>
 
-<file path=ppt/slides/slide12.xml><?xml version="1.0" encoding="utf-8"?>
+<file path=ppt/slides/slide15.xml><?xml version="1.0" encoding="utf-8"?>
 <p:sld xmlns:a="http://schemas.openxmlformats.org/drawingml/2006/main" xmlns:r="http://schemas.openxmlformats.org/officeDocument/2006/relationships" xmlns:p="http://schemas.openxmlformats.org/presentationml/2006/main">
   <p:cSld>
     <p:spTree>
@@ -6552,7 +7092,7 @@
 </p:sld>
 </file>
 
-<file path=ppt/slides/slide13.xml><?xml version="1.0" encoding="utf-8"?>
+<file path=ppt/slides/slide16.xml><?xml version="1.0" encoding="utf-8"?>
 <p:sld xmlns:a="http://schemas.openxmlformats.org/drawingml/2006/main" xmlns:r="http://schemas.openxmlformats.org/officeDocument/2006/relationships" xmlns:p="http://schemas.openxmlformats.org/presentationml/2006/main">
   <p:cSld>
     <p:spTree>
@@ -6725,7 +7265,7 @@
 </p:sld>
 </file>
 
-<file path=ppt/slides/slide14.xml><?xml version="1.0" encoding="utf-8"?>
+<file path=ppt/slides/slide17.xml><?xml version="1.0" encoding="utf-8"?>
 <p:sld xmlns:a="http://schemas.openxmlformats.org/drawingml/2006/main" xmlns:r="http://schemas.openxmlformats.org/officeDocument/2006/relationships" xmlns:p="http://schemas.openxmlformats.org/presentationml/2006/main">
   <p:cSld>
     <p:spTree>
@@ -6871,7 +7411,7 @@
 </p:sld>
 </file>
 
-<file path=ppt/slides/slide15.xml><?xml version="1.0" encoding="utf-8"?>
+<file path=ppt/slides/slide18.xml><?xml version="1.0" encoding="utf-8"?>
 <p:sld xmlns:a="http://schemas.openxmlformats.org/drawingml/2006/main" xmlns:r="http://schemas.openxmlformats.org/officeDocument/2006/relationships" xmlns:p="http://schemas.openxmlformats.org/presentationml/2006/main">
   <p:cSld>
     <p:spTree>
@@ -7518,7 +8058,7 @@
 </p:sld>
 </file>
 
-<file path=ppt/slides/slide16.xml><?xml version="1.0" encoding="utf-8"?>
+<file path=ppt/slides/slide19.xml><?xml version="1.0" encoding="utf-8"?>
 <p:sld xmlns:a="http://schemas.openxmlformats.org/drawingml/2006/main" xmlns:r="http://schemas.openxmlformats.org/officeDocument/2006/relationships" xmlns:p="http://schemas.openxmlformats.org/presentationml/2006/main">
   <p:cSld>
     <p:spTree>
@@ -8230,458 +8770,6 @@
 </p:sld>
 </file>
 
-<file path=ppt/slides/slide17.xml><?xml version="1.0" encoding="utf-8"?>
-<p:sld xmlns:a="http://schemas.openxmlformats.org/drawingml/2006/main" xmlns:r="http://schemas.openxmlformats.org/officeDocument/2006/relationships" xmlns:p="http://schemas.openxmlformats.org/presentationml/2006/main">
-  <p:cSld>
-    <p:spTree>
-      <p:nvGrpSpPr>
-        <p:cNvPr id="1" name=""/>
-        <p:cNvGrpSpPr/>
-        <p:nvPr/>
-      </p:nvGrpSpPr>
-      <p:grpSpPr>
-        <a:xfrm>
-          <a:off x="0" y="0"/>
-          <a:ext cx="0" cy="0"/>
-          <a:chOff x="0" y="0"/>
-          <a:chExt cx="0" cy="0"/>
-        </a:xfrm>
-      </p:grpSpPr>
-      <p:sp>
-        <p:nvSpPr>
-          <p:cNvPr id="2" name="标题 1"/>
-          <p:cNvSpPr>
-            <a:spLocks noGrp="1"/>
-          </p:cNvSpPr>
-          <p:nvPr>
-            <p:ph type="title"/>
-          </p:nvPr>
-        </p:nvSpPr>
-        <p:spPr/>
-        <p:txBody>
-          <a:bodyPr/>
-          <a:lstStyle/>
-          <a:p>
-            <a:r>
-              <a:rPr lang="en-US" altLang="zh-CN" smtClean="0">
-                <a:latin typeface="微软雅黑" panose="020B0503020204020204" pitchFamily="34" charset="-122"/>
-                <a:ea typeface="微软雅黑" panose="020B0503020204020204" pitchFamily="34" charset="-122"/>
-              </a:rPr>
-              <a:t>GeeQuery in spring-data</a:t>
-            </a:r>
-            <a:endParaRPr lang="zh-CN" altLang="en-US">
-              <a:latin typeface="微软雅黑" panose="020B0503020204020204" pitchFamily="34" charset="-122"/>
-              <a:ea typeface="微软雅黑" panose="020B0503020204020204" pitchFamily="34" charset="-122"/>
-            </a:endParaRPr>
-          </a:p>
-        </p:txBody>
-      </p:sp>
-      <p:sp>
-        <p:nvSpPr>
-          <p:cNvPr id="3" name="内容占位符 2"/>
-          <p:cNvSpPr>
-            <a:spLocks noGrp="1"/>
-          </p:cNvSpPr>
-          <p:nvPr>
-            <p:ph idx="1"/>
-          </p:nvPr>
-        </p:nvSpPr>
-        <p:spPr/>
-        <p:txBody>
-          <a:bodyPr/>
-          <a:lstStyle/>
-          <a:p>
-            <a:r>
-              <a:rPr lang="zh-CN" altLang="en-US" smtClean="0">
-                <a:latin typeface="微软雅黑" panose="020B0503020204020204" pitchFamily="34" charset="-122"/>
-                <a:ea typeface="微软雅黑" panose="020B0503020204020204" pitchFamily="34" charset="-122"/>
-              </a:rPr>
-              <a:t>分页与排序</a:t>
-            </a:r>
-            <a:endParaRPr lang="en-US" altLang="zh-CN" smtClean="0">
-              <a:latin typeface="微软雅黑" panose="020B0503020204020204" pitchFamily="34" charset="-122"/>
-              <a:ea typeface="微软雅黑" panose="020B0503020204020204" pitchFamily="34" charset="-122"/>
-            </a:endParaRPr>
-          </a:p>
-          <a:p>
-            <a:pPr lvl="1"/>
-            <a:r>
-              <a:rPr lang="zh-CN" altLang="en-US" smtClean="0">
-                <a:latin typeface="微软雅黑" panose="020B0503020204020204" pitchFamily="34" charset="-122"/>
-                <a:ea typeface="微软雅黑" panose="020B0503020204020204" pitchFamily="34" charset="-122"/>
-              </a:rPr>
-              <a:t>举例说明</a:t>
-            </a:r>
-            <a:endParaRPr lang="zh-CN" altLang="en-US">
-              <a:latin typeface="微软雅黑" panose="020B0503020204020204" pitchFamily="34" charset="-122"/>
-              <a:ea typeface="微软雅黑" panose="020B0503020204020204" pitchFamily="34" charset="-122"/>
-            </a:endParaRPr>
-          </a:p>
-        </p:txBody>
-      </p:sp>
-    </p:spTree>
-  </p:cSld>
-  <p:clrMapOvr>
-    <a:masterClrMapping/>
-  </p:clrMapOvr>
-  <p:timing>
-    <p:tnLst>
-      <p:par>
-        <p:cTn id="1" dur="indefinite" restart="never" nodeType="tmRoot"/>
-      </p:par>
-    </p:tnLst>
-  </p:timing>
-</p:sld>
-</file>
-
-<file path=ppt/slides/slide18.xml><?xml version="1.0" encoding="utf-8"?>
-<p:sld xmlns:a="http://schemas.openxmlformats.org/drawingml/2006/main" xmlns:r="http://schemas.openxmlformats.org/officeDocument/2006/relationships" xmlns:p="http://schemas.openxmlformats.org/presentationml/2006/main">
-  <p:cSld>
-    <p:spTree>
-      <p:nvGrpSpPr>
-        <p:cNvPr id="1" name=""/>
-        <p:cNvGrpSpPr/>
-        <p:nvPr/>
-      </p:nvGrpSpPr>
-      <p:grpSpPr>
-        <a:xfrm>
-          <a:off x="0" y="0"/>
-          <a:ext cx="0" cy="0"/>
-          <a:chOff x="0" y="0"/>
-          <a:chExt cx="0" cy="0"/>
-        </a:xfrm>
-      </p:grpSpPr>
-      <p:sp>
-        <p:nvSpPr>
-          <p:cNvPr id="2" name="标题 1"/>
-          <p:cNvSpPr>
-            <a:spLocks noGrp="1"/>
-          </p:cNvSpPr>
-          <p:nvPr>
-            <p:ph type="title"/>
-          </p:nvPr>
-        </p:nvSpPr>
-        <p:spPr/>
-        <p:txBody>
-          <a:bodyPr/>
-          <a:lstStyle/>
-          <a:p>
-            <a:r>
-              <a:rPr lang="en-US" altLang="zh-CN" smtClean="0">
-                <a:latin typeface="微软雅黑" panose="020B0503020204020204" pitchFamily="34" charset="-122"/>
-                <a:ea typeface="微软雅黑" panose="020B0503020204020204" pitchFamily="34" charset="-122"/>
-              </a:rPr>
-              <a:t>GeeQuery in spring-data</a:t>
-            </a:r>
-            <a:endParaRPr lang="zh-CN" altLang="en-US">
-              <a:latin typeface="微软雅黑" panose="020B0503020204020204" pitchFamily="34" charset="-122"/>
-              <a:ea typeface="微软雅黑" panose="020B0503020204020204" pitchFamily="34" charset="-122"/>
-            </a:endParaRPr>
-          </a:p>
-        </p:txBody>
-      </p:sp>
-      <p:sp>
-        <p:nvSpPr>
-          <p:cNvPr id="3" name="内容占位符 2"/>
-          <p:cNvSpPr>
-            <a:spLocks noGrp="1"/>
-          </p:cNvSpPr>
-          <p:nvPr>
-            <p:ph idx="1"/>
-          </p:nvPr>
-        </p:nvSpPr>
-        <p:spPr/>
-        <p:txBody>
-          <a:bodyPr/>
-          <a:lstStyle/>
-          <a:p>
-            <a:r>
-              <a:rPr lang="zh-CN" altLang="en-US" smtClean="0">
-                <a:latin typeface="微软雅黑" panose="020B0503020204020204" pitchFamily="34" charset="-122"/>
-                <a:ea typeface="微软雅黑" panose="020B0503020204020204" pitchFamily="34" charset="-122"/>
-              </a:rPr>
-              <a:t>更新与删除</a:t>
-            </a:r>
-            <a:endParaRPr lang="en-US" altLang="zh-CN" smtClean="0">
-              <a:latin typeface="微软雅黑" panose="020B0503020204020204" pitchFamily="34" charset="-122"/>
-              <a:ea typeface="微软雅黑" panose="020B0503020204020204" pitchFamily="34" charset="-122"/>
-            </a:endParaRPr>
-          </a:p>
-          <a:p>
-            <a:pPr lvl="1"/>
-            <a:r>
-              <a:rPr lang="zh-CN" altLang="en-US" smtClean="0">
-                <a:latin typeface="微软雅黑" panose="020B0503020204020204" pitchFamily="34" charset="-122"/>
-                <a:ea typeface="微软雅黑" panose="020B0503020204020204" pitchFamily="34" charset="-122"/>
-              </a:rPr>
-              <a:t>只能用继承自</a:t>
-            </a:r>
-            <a:r>
-              <a:rPr lang="en-US" altLang="zh-CN" u="sng" smtClean="0"/>
-              <a:t>GqRepository</a:t>
-            </a:r>
-            <a:r>
-              <a:rPr lang="zh-CN" altLang="en-US" smtClean="0">
-                <a:latin typeface="微软雅黑" panose="020B0503020204020204" pitchFamily="34" charset="-122"/>
-                <a:ea typeface="微软雅黑" panose="020B0503020204020204" pitchFamily="34" charset="-122"/>
-              </a:rPr>
-              <a:t>的</a:t>
-            </a:r>
-            <a:r>
-              <a:rPr lang="en-US" altLang="zh-CN" smtClean="0">
-                <a:latin typeface="微软雅黑" panose="020B0503020204020204" pitchFamily="34" charset="-122"/>
-                <a:ea typeface="微软雅黑" panose="020B0503020204020204" pitchFamily="34" charset="-122"/>
-              </a:rPr>
-              <a:t>save</a:t>
-            </a:r>
-            <a:r>
-              <a:rPr lang="zh-CN" altLang="en-US" smtClean="0">
-                <a:latin typeface="微软雅黑" panose="020B0503020204020204" pitchFamily="34" charset="-122"/>
-                <a:ea typeface="微软雅黑" panose="020B0503020204020204" pitchFamily="34" charset="-122"/>
-              </a:rPr>
-              <a:t>（）、</a:t>
-            </a:r>
-            <a:r>
-              <a:rPr lang="en-US" altLang="zh-CN" smtClean="0">
-                <a:latin typeface="微软雅黑" panose="020B0503020204020204" pitchFamily="34" charset="-122"/>
-                <a:ea typeface="微软雅黑" panose="020B0503020204020204" pitchFamily="34" charset="-122"/>
-              </a:rPr>
-              <a:t>deleteXXX()</a:t>
-            </a:r>
-            <a:r>
-              <a:rPr lang="zh-CN" altLang="en-US" smtClean="0">
-                <a:latin typeface="微软雅黑" panose="020B0503020204020204" pitchFamily="34" charset="-122"/>
-                <a:ea typeface="微软雅黑" panose="020B0503020204020204" pitchFamily="34" charset="-122"/>
-              </a:rPr>
-              <a:t>等方法</a:t>
-            </a:r>
-            <a:endParaRPr lang="zh-CN" altLang="en-US">
-              <a:latin typeface="微软雅黑" panose="020B0503020204020204" pitchFamily="34" charset="-122"/>
-              <a:ea typeface="微软雅黑" panose="020B0503020204020204" pitchFamily="34" charset="-122"/>
-            </a:endParaRPr>
-          </a:p>
-        </p:txBody>
-      </p:sp>
-    </p:spTree>
-  </p:cSld>
-  <p:clrMapOvr>
-    <a:masterClrMapping/>
-  </p:clrMapOvr>
-  <p:timing>
-    <p:tnLst>
-      <p:par>
-        <p:cTn id="1" dur="indefinite" restart="never" nodeType="tmRoot"/>
-      </p:par>
-    </p:tnLst>
-  </p:timing>
-</p:sld>
-</file>
-
-<file path=ppt/slides/slide19.xml><?xml version="1.0" encoding="utf-8"?>
-<p:sld xmlns:a="http://schemas.openxmlformats.org/drawingml/2006/main" xmlns:r="http://schemas.openxmlformats.org/officeDocument/2006/relationships" xmlns:p="http://schemas.openxmlformats.org/presentationml/2006/main">
-  <p:cSld>
-    <p:spTree>
-      <p:nvGrpSpPr>
-        <p:cNvPr id="1" name=""/>
-        <p:cNvGrpSpPr/>
-        <p:nvPr/>
-      </p:nvGrpSpPr>
-      <p:grpSpPr>
-        <a:xfrm>
-          <a:off x="0" y="0"/>
-          <a:ext cx="0" cy="0"/>
-          <a:chOff x="0" y="0"/>
-          <a:chExt cx="0" cy="0"/>
-        </a:xfrm>
-      </p:grpSpPr>
-      <p:sp>
-        <p:nvSpPr>
-          <p:cNvPr id="2" name="标题 1"/>
-          <p:cNvSpPr>
-            <a:spLocks noGrp="1"/>
-          </p:cNvSpPr>
-          <p:nvPr>
-            <p:ph type="title"/>
-          </p:nvPr>
-        </p:nvSpPr>
-        <p:spPr/>
-        <p:txBody>
-          <a:bodyPr/>
-          <a:lstStyle/>
-          <a:p>
-            <a:r>
-              <a:rPr lang="en-US" altLang="zh-CN" smtClean="0">
-                <a:latin typeface="微软雅黑" panose="020B0503020204020204" pitchFamily="34" charset="-122"/>
-                <a:ea typeface="微软雅黑" panose="020B0503020204020204" pitchFamily="34" charset="-122"/>
-              </a:rPr>
-              <a:t>GeeQuery in spring-data</a:t>
-            </a:r>
-            <a:endParaRPr lang="zh-CN" altLang="en-US">
-              <a:latin typeface="微软雅黑" panose="020B0503020204020204" pitchFamily="34" charset="-122"/>
-              <a:ea typeface="微软雅黑" panose="020B0503020204020204" pitchFamily="34" charset="-122"/>
-            </a:endParaRPr>
-          </a:p>
-        </p:txBody>
-      </p:sp>
-      <p:sp>
-        <p:nvSpPr>
-          <p:cNvPr id="3" name="内容占位符 2"/>
-          <p:cNvSpPr>
-            <a:spLocks noGrp="1"/>
-          </p:cNvSpPr>
-          <p:nvPr>
-            <p:ph idx="1"/>
-          </p:nvPr>
-        </p:nvSpPr>
-        <p:spPr/>
-        <p:txBody>
-          <a:bodyPr/>
-          <a:lstStyle/>
-          <a:p>
-            <a:r>
-              <a:rPr lang="zh-CN" altLang="en-US" smtClean="0">
-                <a:latin typeface="微软雅黑" panose="020B0503020204020204" pitchFamily="34" charset="-122"/>
-                <a:ea typeface="微软雅黑" panose="020B0503020204020204" pitchFamily="34" charset="-122"/>
-              </a:rPr>
-              <a:t>使用</a:t>
-            </a:r>
-            <a:r>
-              <a:rPr lang="en-US" altLang="zh-CN" smtClean="0">
-                <a:latin typeface="微软雅黑" panose="020B0503020204020204" pitchFamily="34" charset="-122"/>
-                <a:ea typeface="微软雅黑" panose="020B0503020204020204" pitchFamily="34" charset="-122"/>
-              </a:rPr>
-              <a:t>@Query</a:t>
-            </a:r>
-            <a:endParaRPr lang="en-US" altLang="zh-CN" smtClean="0">
-              <a:latin typeface="微软雅黑" panose="020B0503020204020204" pitchFamily="34" charset="-122"/>
-              <a:ea typeface="微软雅黑" panose="020B0503020204020204" pitchFamily="34" charset="-122"/>
-            </a:endParaRPr>
-          </a:p>
-          <a:p>
-            <a:pPr lvl="1"/>
-            <a:r>
-              <a:rPr lang="zh-CN" altLang="en-US" smtClean="0">
-                <a:latin typeface="微软雅黑" panose="020B0503020204020204" pitchFamily="34" charset="-122"/>
-                <a:ea typeface="微软雅黑" panose="020B0503020204020204" pitchFamily="34" charset="-122"/>
-              </a:rPr>
-              <a:t>举例说明</a:t>
-            </a:r>
-            <a:endParaRPr lang="zh-CN" altLang="en-US">
-              <a:latin typeface="微软雅黑" panose="020B0503020204020204" pitchFamily="34" charset="-122"/>
-              <a:ea typeface="微软雅黑" panose="020B0503020204020204" pitchFamily="34" charset="-122"/>
-            </a:endParaRPr>
-          </a:p>
-        </p:txBody>
-      </p:sp>
-      <p:sp>
-        <p:nvSpPr>
-          <p:cNvPr id="4" name="TextBox 3"/>
-          <p:cNvSpPr txBox="1"/>
-          <p:nvPr/>
-        </p:nvSpPr>
-        <p:spPr>
-          <a:xfrm rot="20156914">
-            <a:off x="7122409" y="4550642"/>
-            <a:ext cx="5043948" cy="1200329"/>
-          </a:xfrm>
-          <a:prstGeom prst="rect">
-            <a:avLst/>
-          </a:prstGeom>
-          <a:noFill/>
-        </p:spPr>
-        <p:txBody>
-          <a:bodyPr wrap="square" rtlCol="0">
-            <a:spAutoFit/>
-          </a:bodyPr>
-          <a:lstStyle/>
-          <a:p>
-            <a:pPr marL="0" lvl="1"/>
-            <a:r>
-              <a:rPr lang="en-US" altLang="zh-CN" sz="3600">
-                <a:solidFill>
-                  <a:schemeClr val="accent6">
-                    <a:lumMod val="75000"/>
-                  </a:schemeClr>
-                </a:solidFill>
-                <a:latin typeface="华文琥珀" panose="02010800040101010101" pitchFamily="2" charset="-122"/>
-                <a:ea typeface="华文琥珀" panose="02010800040101010101" pitchFamily="2" charset="-122"/>
-              </a:rPr>
-              <a:t>SQL</a:t>
-            </a:r>
-            <a:r>
-              <a:rPr lang="zh-CN" altLang="en-US" sz="3600">
-                <a:solidFill>
-                  <a:schemeClr val="accent6">
-                    <a:lumMod val="75000"/>
-                  </a:schemeClr>
-                </a:solidFill>
-                <a:latin typeface="华文琥珀" panose="02010800040101010101" pitchFamily="2" charset="-122"/>
-                <a:ea typeface="华文琥珀" panose="02010800040101010101" pitchFamily="2" charset="-122"/>
-              </a:rPr>
-              <a:t>高手的福利来</a:t>
-            </a:r>
-            <a:r>
-              <a:rPr lang="zh-CN" altLang="en-US" sz="3600" smtClean="0">
-                <a:solidFill>
-                  <a:schemeClr val="accent6">
-                    <a:lumMod val="75000"/>
-                  </a:schemeClr>
-                </a:solidFill>
-                <a:latin typeface="华文琥珀" panose="02010800040101010101" pitchFamily="2" charset="-122"/>
-                <a:ea typeface="华文琥珀" panose="02010800040101010101" pitchFamily="2" charset="-122"/>
-              </a:rPr>
-              <a:t>了</a:t>
-            </a:r>
-            <a:r>
-              <a:rPr lang="en-US" altLang="zh-CN" sz="3600" smtClean="0">
-                <a:solidFill>
-                  <a:schemeClr val="accent6">
-                    <a:lumMod val="75000"/>
-                  </a:schemeClr>
-                </a:solidFill>
-                <a:latin typeface="华文琥珀" panose="02010800040101010101" pitchFamily="2" charset="-122"/>
-                <a:ea typeface="华文琥珀" panose="02010800040101010101" pitchFamily="2" charset="-122"/>
-              </a:rPr>
-              <a:t>!</a:t>
-            </a:r>
-            <a:endParaRPr lang="en-US" altLang="zh-CN" sz="3600">
-              <a:solidFill>
-                <a:schemeClr val="accent6">
-                  <a:lumMod val="75000"/>
-                </a:schemeClr>
-              </a:solidFill>
-              <a:latin typeface="华文琥珀" panose="02010800040101010101" pitchFamily="2" charset="-122"/>
-              <a:ea typeface="华文琥珀" panose="02010800040101010101" pitchFamily="2" charset="-122"/>
-            </a:endParaRPr>
-          </a:p>
-          <a:p>
-            <a:endParaRPr lang="zh-CN" altLang="en-US" sz="3600">
-              <a:solidFill>
-                <a:schemeClr val="accent6">
-                  <a:lumMod val="75000"/>
-                </a:schemeClr>
-              </a:solidFill>
-              <a:latin typeface="华文琥珀" panose="02010800040101010101" pitchFamily="2" charset="-122"/>
-              <a:ea typeface="华文琥珀" panose="02010800040101010101" pitchFamily="2" charset="-122"/>
-            </a:endParaRPr>
-          </a:p>
-        </p:txBody>
-      </p:sp>
-    </p:spTree>
-  </p:cSld>
-  <p:clrMapOvr>
-    <a:masterClrMapping/>
-  </p:clrMapOvr>
-  <p:timing>
-    <p:tnLst>
-      <p:par>
-        <p:cTn id="1" dur="indefinite" restart="never" nodeType="tmRoot"/>
-      </p:par>
-    </p:tnLst>
-  </p:timing>
-</p:sld>
-</file>
-
 <file path=ppt/slides/slide2.xml><?xml version="1.0" encoding="utf-8"?>
 <p:sld xmlns:a="http://schemas.openxmlformats.org/drawingml/2006/main" xmlns:r="http://schemas.openxmlformats.org/officeDocument/2006/relationships" xmlns:p="http://schemas.openxmlformats.org/presentationml/2006/main">
   <p:cSld>
@@ -9754,7 +9842,7 @@
           <a:lstStyle/>
           <a:p>
             <a:r>
-              <a:rPr lang="en-US" altLang="zh-CN">
+              <a:rPr lang="en-US" altLang="zh-CN" smtClean="0">
                 <a:latin typeface="微软雅黑" panose="020B0503020204020204" pitchFamily="34" charset="-122"/>
                 <a:ea typeface="微软雅黑" panose="020B0503020204020204" pitchFamily="34" charset="-122"/>
               </a:rPr>
@@ -9787,21 +9875,7 @@
                 <a:latin typeface="微软雅黑" panose="020B0503020204020204" pitchFamily="34" charset="-122"/>
                 <a:ea typeface="微软雅黑" panose="020B0503020204020204" pitchFamily="34" charset="-122"/>
               </a:rPr>
-              <a:t>表达式省略？（动态</a:t>
-            </a:r>
-            <a:r>
-              <a:rPr lang="en-US" altLang="zh-CN" smtClean="0">
-                <a:latin typeface="微软雅黑" panose="020B0503020204020204" pitchFamily="34" charset="-122"/>
-                <a:ea typeface="微软雅黑" panose="020B0503020204020204" pitchFamily="34" charset="-122"/>
-              </a:rPr>
-              <a:t>SQL</a:t>
-            </a:r>
-            <a:r>
-              <a:rPr lang="zh-CN" altLang="en-US" smtClean="0">
-                <a:latin typeface="微软雅黑" panose="020B0503020204020204" pitchFamily="34" charset="-122"/>
-                <a:ea typeface="微软雅黑" panose="020B0503020204020204" pitchFamily="34" charset="-122"/>
-              </a:rPr>
-              <a:t>）</a:t>
+              <a:t>分页与排序</a:t>
             </a:r>
             <a:endParaRPr lang="en-US" altLang="zh-CN" smtClean="0">
               <a:latin typeface="微软雅黑" panose="020B0503020204020204" pitchFamily="34" charset="-122"/>
@@ -9811,21 +9885,12 @@
           <a:p>
             <a:pPr lvl="1"/>
             <a:r>
-              <a:rPr lang="zh-CN" altLang="en-US">
+              <a:rPr lang="zh-CN" altLang="en-US" smtClean="0">
                 <a:latin typeface="微软雅黑" panose="020B0503020204020204" pitchFamily="34" charset="-122"/>
                 <a:ea typeface="微软雅黑" panose="020B0503020204020204" pitchFamily="34" charset="-122"/>
               </a:rPr>
               <a:t>举例说明</a:t>
             </a:r>
-            <a:endParaRPr lang="zh-CN" altLang="en-US">
-              <a:latin typeface="微软雅黑" panose="020B0503020204020204" pitchFamily="34" charset="-122"/>
-              <a:ea typeface="微软雅黑" panose="020B0503020204020204" pitchFamily="34" charset="-122"/>
-            </a:endParaRPr>
-          </a:p>
-          <a:p>
-            <a:pPr marL="457200" lvl="1" indent="0">
-              <a:buNone/>
-            </a:pPr>
             <a:endParaRPr lang="zh-CN" altLang="en-US">
               <a:latin typeface="微软雅黑" panose="020B0503020204020204" pitchFamily="34" charset="-122"/>
               <a:ea typeface="微软雅黑" panose="020B0503020204020204" pitchFamily="34" charset="-122"/>
@@ -9849,6 +9914,481 @@
 </file>
 
 <file path=ppt/slides/slide21.xml><?xml version="1.0" encoding="utf-8"?>
+<p:sld xmlns:a="http://schemas.openxmlformats.org/drawingml/2006/main" xmlns:r="http://schemas.openxmlformats.org/officeDocument/2006/relationships" xmlns:p="http://schemas.openxmlformats.org/presentationml/2006/main">
+  <p:cSld>
+    <p:spTree>
+      <p:nvGrpSpPr>
+        <p:cNvPr id="1" name=""/>
+        <p:cNvGrpSpPr/>
+        <p:nvPr/>
+      </p:nvGrpSpPr>
+      <p:grpSpPr>
+        <a:xfrm>
+          <a:off x="0" y="0"/>
+          <a:ext cx="0" cy="0"/>
+          <a:chOff x="0" y="0"/>
+          <a:chExt cx="0" cy="0"/>
+        </a:xfrm>
+      </p:grpSpPr>
+      <p:sp>
+        <p:nvSpPr>
+          <p:cNvPr id="2" name="标题 1"/>
+          <p:cNvSpPr>
+            <a:spLocks noGrp="1"/>
+          </p:cNvSpPr>
+          <p:nvPr>
+            <p:ph type="title"/>
+          </p:nvPr>
+        </p:nvSpPr>
+        <p:spPr/>
+        <p:txBody>
+          <a:bodyPr/>
+          <a:lstStyle/>
+          <a:p>
+            <a:r>
+              <a:rPr lang="en-US" altLang="zh-CN" smtClean="0">
+                <a:latin typeface="微软雅黑" panose="020B0503020204020204" pitchFamily="34" charset="-122"/>
+                <a:ea typeface="微软雅黑" panose="020B0503020204020204" pitchFamily="34" charset="-122"/>
+              </a:rPr>
+              <a:t>GeeQuery in spring-data</a:t>
+            </a:r>
+            <a:endParaRPr lang="zh-CN" altLang="en-US">
+              <a:latin typeface="微软雅黑" panose="020B0503020204020204" pitchFamily="34" charset="-122"/>
+              <a:ea typeface="微软雅黑" panose="020B0503020204020204" pitchFamily="34" charset="-122"/>
+            </a:endParaRPr>
+          </a:p>
+        </p:txBody>
+      </p:sp>
+      <p:sp>
+        <p:nvSpPr>
+          <p:cNvPr id="3" name="内容占位符 2"/>
+          <p:cNvSpPr>
+            <a:spLocks noGrp="1"/>
+          </p:cNvSpPr>
+          <p:nvPr>
+            <p:ph idx="1"/>
+          </p:nvPr>
+        </p:nvSpPr>
+        <p:spPr/>
+        <p:txBody>
+          <a:bodyPr/>
+          <a:lstStyle/>
+          <a:p>
+            <a:r>
+              <a:rPr lang="zh-CN" altLang="en-US" smtClean="0">
+                <a:latin typeface="微软雅黑" panose="020B0503020204020204" pitchFamily="34" charset="-122"/>
+                <a:ea typeface="微软雅黑" panose="020B0503020204020204" pitchFamily="34" charset="-122"/>
+              </a:rPr>
+              <a:t>更新与删除</a:t>
+            </a:r>
+            <a:endParaRPr lang="en-US" altLang="zh-CN" smtClean="0">
+              <a:latin typeface="微软雅黑" panose="020B0503020204020204" pitchFamily="34" charset="-122"/>
+              <a:ea typeface="微软雅黑" panose="020B0503020204020204" pitchFamily="34" charset="-122"/>
+            </a:endParaRPr>
+          </a:p>
+          <a:p>
+            <a:pPr lvl="1"/>
+            <a:r>
+              <a:rPr lang="zh-CN" altLang="en-US" smtClean="0">
+                <a:latin typeface="微软雅黑" panose="020B0503020204020204" pitchFamily="34" charset="-122"/>
+                <a:ea typeface="微软雅黑" panose="020B0503020204020204" pitchFamily="34" charset="-122"/>
+              </a:rPr>
+              <a:t>只能用继承自</a:t>
+            </a:r>
+            <a:r>
+              <a:rPr lang="en-US" altLang="zh-CN" u="sng" smtClean="0"/>
+              <a:t>GqRepository</a:t>
+            </a:r>
+            <a:r>
+              <a:rPr lang="zh-CN" altLang="en-US" smtClean="0">
+                <a:latin typeface="微软雅黑" panose="020B0503020204020204" pitchFamily="34" charset="-122"/>
+                <a:ea typeface="微软雅黑" panose="020B0503020204020204" pitchFamily="34" charset="-122"/>
+              </a:rPr>
+              <a:t>的</a:t>
+            </a:r>
+            <a:r>
+              <a:rPr lang="en-US" altLang="zh-CN" smtClean="0">
+                <a:latin typeface="微软雅黑" panose="020B0503020204020204" pitchFamily="34" charset="-122"/>
+                <a:ea typeface="微软雅黑" panose="020B0503020204020204" pitchFamily="34" charset="-122"/>
+              </a:rPr>
+              <a:t>save</a:t>
+            </a:r>
+            <a:r>
+              <a:rPr lang="zh-CN" altLang="en-US" smtClean="0">
+                <a:latin typeface="微软雅黑" panose="020B0503020204020204" pitchFamily="34" charset="-122"/>
+                <a:ea typeface="微软雅黑" panose="020B0503020204020204" pitchFamily="34" charset="-122"/>
+              </a:rPr>
+              <a:t>（）、</a:t>
+            </a:r>
+            <a:r>
+              <a:rPr lang="en-US" altLang="zh-CN" smtClean="0">
+                <a:latin typeface="微软雅黑" panose="020B0503020204020204" pitchFamily="34" charset="-122"/>
+                <a:ea typeface="微软雅黑" panose="020B0503020204020204" pitchFamily="34" charset="-122"/>
+              </a:rPr>
+              <a:t>deleteXXX()</a:t>
+            </a:r>
+            <a:r>
+              <a:rPr lang="zh-CN" altLang="en-US" smtClean="0">
+                <a:latin typeface="微软雅黑" panose="020B0503020204020204" pitchFamily="34" charset="-122"/>
+                <a:ea typeface="微软雅黑" panose="020B0503020204020204" pitchFamily="34" charset="-122"/>
+              </a:rPr>
+              <a:t>等方法</a:t>
+            </a:r>
+            <a:endParaRPr lang="zh-CN" altLang="en-US">
+              <a:latin typeface="微软雅黑" panose="020B0503020204020204" pitchFamily="34" charset="-122"/>
+              <a:ea typeface="微软雅黑" panose="020B0503020204020204" pitchFamily="34" charset="-122"/>
+            </a:endParaRPr>
+          </a:p>
+        </p:txBody>
+      </p:sp>
+    </p:spTree>
+  </p:cSld>
+  <p:clrMapOvr>
+    <a:masterClrMapping/>
+  </p:clrMapOvr>
+  <p:timing>
+    <p:tnLst>
+      <p:par>
+        <p:cTn id="1" dur="indefinite" restart="never" nodeType="tmRoot"/>
+      </p:par>
+    </p:tnLst>
+  </p:timing>
+</p:sld>
+</file>
+
+<file path=ppt/slides/slide22.xml><?xml version="1.0" encoding="utf-8"?>
+<p:sld xmlns:a="http://schemas.openxmlformats.org/drawingml/2006/main" xmlns:r="http://schemas.openxmlformats.org/officeDocument/2006/relationships" xmlns:p="http://schemas.openxmlformats.org/presentationml/2006/main">
+  <p:cSld>
+    <p:spTree>
+      <p:nvGrpSpPr>
+        <p:cNvPr id="1" name=""/>
+        <p:cNvGrpSpPr/>
+        <p:nvPr/>
+      </p:nvGrpSpPr>
+      <p:grpSpPr>
+        <a:xfrm>
+          <a:off x="0" y="0"/>
+          <a:ext cx="0" cy="0"/>
+          <a:chOff x="0" y="0"/>
+          <a:chExt cx="0" cy="0"/>
+        </a:xfrm>
+      </p:grpSpPr>
+      <p:sp>
+        <p:nvSpPr>
+          <p:cNvPr id="2" name="标题 1"/>
+          <p:cNvSpPr>
+            <a:spLocks noGrp="1"/>
+          </p:cNvSpPr>
+          <p:nvPr>
+            <p:ph type="title"/>
+          </p:nvPr>
+        </p:nvSpPr>
+        <p:spPr/>
+        <p:txBody>
+          <a:bodyPr/>
+          <a:lstStyle/>
+          <a:p>
+            <a:r>
+              <a:rPr lang="en-US" altLang="zh-CN" smtClean="0">
+                <a:latin typeface="微软雅黑" panose="020B0503020204020204" pitchFamily="34" charset="-122"/>
+                <a:ea typeface="微软雅黑" panose="020B0503020204020204" pitchFamily="34" charset="-122"/>
+              </a:rPr>
+              <a:t>GeeQuery in spring-data</a:t>
+            </a:r>
+            <a:endParaRPr lang="zh-CN" altLang="en-US">
+              <a:latin typeface="微软雅黑" panose="020B0503020204020204" pitchFamily="34" charset="-122"/>
+              <a:ea typeface="微软雅黑" panose="020B0503020204020204" pitchFamily="34" charset="-122"/>
+            </a:endParaRPr>
+          </a:p>
+        </p:txBody>
+      </p:sp>
+      <p:sp>
+        <p:nvSpPr>
+          <p:cNvPr id="3" name="内容占位符 2"/>
+          <p:cNvSpPr>
+            <a:spLocks noGrp="1"/>
+          </p:cNvSpPr>
+          <p:nvPr>
+            <p:ph idx="1"/>
+          </p:nvPr>
+        </p:nvSpPr>
+        <p:spPr/>
+        <p:txBody>
+          <a:bodyPr/>
+          <a:lstStyle/>
+          <a:p>
+            <a:r>
+              <a:rPr lang="zh-CN" altLang="en-US" smtClean="0">
+                <a:latin typeface="微软雅黑" panose="020B0503020204020204" pitchFamily="34" charset="-122"/>
+                <a:ea typeface="微软雅黑" panose="020B0503020204020204" pitchFamily="34" charset="-122"/>
+              </a:rPr>
+              <a:t>使用</a:t>
+            </a:r>
+            <a:r>
+              <a:rPr lang="en-US" altLang="zh-CN" smtClean="0">
+                <a:latin typeface="微软雅黑" panose="020B0503020204020204" pitchFamily="34" charset="-122"/>
+                <a:ea typeface="微软雅黑" panose="020B0503020204020204" pitchFamily="34" charset="-122"/>
+              </a:rPr>
+              <a:t>@Query</a:t>
+            </a:r>
+            <a:endParaRPr lang="en-US" altLang="zh-CN" smtClean="0">
+              <a:latin typeface="微软雅黑" panose="020B0503020204020204" pitchFamily="34" charset="-122"/>
+              <a:ea typeface="微软雅黑" panose="020B0503020204020204" pitchFamily="34" charset="-122"/>
+            </a:endParaRPr>
+          </a:p>
+          <a:p>
+            <a:pPr lvl="1"/>
+            <a:r>
+              <a:rPr lang="zh-CN" altLang="en-US" smtClean="0">
+                <a:latin typeface="微软雅黑" panose="020B0503020204020204" pitchFamily="34" charset="-122"/>
+                <a:ea typeface="微软雅黑" panose="020B0503020204020204" pitchFamily="34" charset="-122"/>
+              </a:rPr>
+              <a:t>举例说明</a:t>
+            </a:r>
+            <a:endParaRPr lang="zh-CN" altLang="en-US">
+              <a:latin typeface="微软雅黑" panose="020B0503020204020204" pitchFamily="34" charset="-122"/>
+              <a:ea typeface="微软雅黑" panose="020B0503020204020204" pitchFamily="34" charset="-122"/>
+            </a:endParaRPr>
+          </a:p>
+        </p:txBody>
+      </p:sp>
+      <p:sp>
+        <p:nvSpPr>
+          <p:cNvPr id="4" name="TextBox 3"/>
+          <p:cNvSpPr txBox="1"/>
+          <p:nvPr/>
+        </p:nvSpPr>
+        <p:spPr>
+          <a:xfrm rot="20156914">
+            <a:off x="7122409" y="4550642"/>
+            <a:ext cx="5043948" cy="1200329"/>
+          </a:xfrm>
+          <a:prstGeom prst="rect">
+            <a:avLst/>
+          </a:prstGeom>
+          <a:noFill/>
+        </p:spPr>
+        <p:txBody>
+          <a:bodyPr wrap="square" rtlCol="0">
+            <a:spAutoFit/>
+          </a:bodyPr>
+          <a:lstStyle/>
+          <a:p>
+            <a:pPr marL="0" lvl="1"/>
+            <a:r>
+              <a:rPr lang="en-US" altLang="zh-CN" sz="3600">
+                <a:solidFill>
+                  <a:schemeClr val="accent6">
+                    <a:lumMod val="75000"/>
+                  </a:schemeClr>
+                </a:solidFill>
+                <a:latin typeface="华文琥珀" panose="02010800040101010101" pitchFamily="2" charset="-122"/>
+                <a:ea typeface="华文琥珀" panose="02010800040101010101" pitchFamily="2" charset="-122"/>
+              </a:rPr>
+              <a:t>SQL</a:t>
+            </a:r>
+            <a:r>
+              <a:rPr lang="zh-CN" altLang="en-US" sz="3600">
+                <a:solidFill>
+                  <a:schemeClr val="accent6">
+                    <a:lumMod val="75000"/>
+                  </a:schemeClr>
+                </a:solidFill>
+                <a:latin typeface="华文琥珀" panose="02010800040101010101" pitchFamily="2" charset="-122"/>
+                <a:ea typeface="华文琥珀" panose="02010800040101010101" pitchFamily="2" charset="-122"/>
+              </a:rPr>
+              <a:t>高手的福利来</a:t>
+            </a:r>
+            <a:r>
+              <a:rPr lang="zh-CN" altLang="en-US" sz="3600" smtClean="0">
+                <a:solidFill>
+                  <a:schemeClr val="accent6">
+                    <a:lumMod val="75000"/>
+                  </a:schemeClr>
+                </a:solidFill>
+                <a:latin typeface="华文琥珀" panose="02010800040101010101" pitchFamily="2" charset="-122"/>
+                <a:ea typeface="华文琥珀" panose="02010800040101010101" pitchFamily="2" charset="-122"/>
+              </a:rPr>
+              <a:t>了</a:t>
+            </a:r>
+            <a:r>
+              <a:rPr lang="en-US" altLang="zh-CN" sz="3600" smtClean="0">
+                <a:solidFill>
+                  <a:schemeClr val="accent6">
+                    <a:lumMod val="75000"/>
+                  </a:schemeClr>
+                </a:solidFill>
+                <a:latin typeface="华文琥珀" panose="02010800040101010101" pitchFamily="2" charset="-122"/>
+                <a:ea typeface="华文琥珀" panose="02010800040101010101" pitchFamily="2" charset="-122"/>
+              </a:rPr>
+              <a:t>!</a:t>
+            </a:r>
+            <a:endParaRPr lang="en-US" altLang="zh-CN" sz="3600">
+              <a:solidFill>
+                <a:schemeClr val="accent6">
+                  <a:lumMod val="75000"/>
+                </a:schemeClr>
+              </a:solidFill>
+              <a:latin typeface="华文琥珀" panose="02010800040101010101" pitchFamily="2" charset="-122"/>
+              <a:ea typeface="华文琥珀" panose="02010800040101010101" pitchFamily="2" charset="-122"/>
+            </a:endParaRPr>
+          </a:p>
+          <a:p>
+            <a:endParaRPr lang="zh-CN" altLang="en-US" sz="3600">
+              <a:solidFill>
+                <a:schemeClr val="accent6">
+                  <a:lumMod val="75000"/>
+                </a:schemeClr>
+              </a:solidFill>
+              <a:latin typeface="华文琥珀" panose="02010800040101010101" pitchFamily="2" charset="-122"/>
+              <a:ea typeface="华文琥珀" panose="02010800040101010101" pitchFamily="2" charset="-122"/>
+            </a:endParaRPr>
+          </a:p>
+        </p:txBody>
+      </p:sp>
+    </p:spTree>
+  </p:cSld>
+  <p:clrMapOvr>
+    <a:masterClrMapping/>
+  </p:clrMapOvr>
+  <p:timing>
+    <p:tnLst>
+      <p:par>
+        <p:cTn id="1" dur="indefinite" restart="never" nodeType="tmRoot"/>
+      </p:par>
+    </p:tnLst>
+  </p:timing>
+</p:sld>
+</file>
+
+<file path=ppt/slides/slide23.xml><?xml version="1.0" encoding="utf-8"?>
+<p:sld xmlns:a="http://schemas.openxmlformats.org/drawingml/2006/main" xmlns:r="http://schemas.openxmlformats.org/officeDocument/2006/relationships" xmlns:p="http://schemas.openxmlformats.org/presentationml/2006/main">
+  <p:cSld>
+    <p:spTree>
+      <p:nvGrpSpPr>
+        <p:cNvPr id="1" name=""/>
+        <p:cNvGrpSpPr/>
+        <p:nvPr/>
+      </p:nvGrpSpPr>
+      <p:grpSpPr>
+        <a:xfrm>
+          <a:off x="0" y="0"/>
+          <a:ext cx="0" cy="0"/>
+          <a:chOff x="0" y="0"/>
+          <a:chExt cx="0" cy="0"/>
+        </a:xfrm>
+      </p:grpSpPr>
+      <p:sp>
+        <p:nvSpPr>
+          <p:cNvPr id="2" name="标题 1"/>
+          <p:cNvSpPr>
+            <a:spLocks noGrp="1"/>
+          </p:cNvSpPr>
+          <p:nvPr>
+            <p:ph type="title"/>
+          </p:nvPr>
+        </p:nvSpPr>
+        <p:spPr/>
+        <p:txBody>
+          <a:bodyPr/>
+          <a:lstStyle/>
+          <a:p>
+            <a:r>
+              <a:rPr lang="en-US" altLang="zh-CN">
+                <a:latin typeface="微软雅黑" panose="020B0503020204020204" pitchFamily="34" charset="-122"/>
+                <a:ea typeface="微软雅黑" panose="020B0503020204020204" pitchFamily="34" charset="-122"/>
+              </a:rPr>
+              <a:t>GeeQuery in spring-data</a:t>
+            </a:r>
+            <a:endParaRPr lang="zh-CN" altLang="en-US">
+              <a:latin typeface="微软雅黑" panose="020B0503020204020204" pitchFamily="34" charset="-122"/>
+              <a:ea typeface="微软雅黑" panose="020B0503020204020204" pitchFamily="34" charset="-122"/>
+            </a:endParaRPr>
+          </a:p>
+        </p:txBody>
+      </p:sp>
+      <p:sp>
+        <p:nvSpPr>
+          <p:cNvPr id="3" name="内容占位符 2"/>
+          <p:cNvSpPr>
+            <a:spLocks noGrp="1"/>
+          </p:cNvSpPr>
+          <p:nvPr>
+            <p:ph idx="1"/>
+          </p:nvPr>
+        </p:nvSpPr>
+        <p:spPr/>
+        <p:txBody>
+          <a:bodyPr/>
+          <a:lstStyle/>
+          <a:p>
+            <a:r>
+              <a:rPr lang="zh-CN" altLang="en-US" smtClean="0">
+                <a:latin typeface="微软雅黑" panose="020B0503020204020204" pitchFamily="34" charset="-122"/>
+                <a:ea typeface="微软雅黑" panose="020B0503020204020204" pitchFamily="34" charset="-122"/>
+              </a:rPr>
+              <a:t>表达式省略？（动态</a:t>
+            </a:r>
+            <a:r>
+              <a:rPr lang="en-US" altLang="zh-CN" smtClean="0">
+                <a:latin typeface="微软雅黑" panose="020B0503020204020204" pitchFamily="34" charset="-122"/>
+                <a:ea typeface="微软雅黑" panose="020B0503020204020204" pitchFamily="34" charset="-122"/>
+              </a:rPr>
+              <a:t>SQL</a:t>
+            </a:r>
+            <a:r>
+              <a:rPr lang="zh-CN" altLang="en-US" smtClean="0">
+                <a:latin typeface="微软雅黑" panose="020B0503020204020204" pitchFamily="34" charset="-122"/>
+                <a:ea typeface="微软雅黑" panose="020B0503020204020204" pitchFamily="34" charset="-122"/>
+              </a:rPr>
+              <a:t>）</a:t>
+            </a:r>
+            <a:endParaRPr lang="en-US" altLang="zh-CN" smtClean="0">
+              <a:latin typeface="微软雅黑" panose="020B0503020204020204" pitchFamily="34" charset="-122"/>
+              <a:ea typeface="微软雅黑" panose="020B0503020204020204" pitchFamily="34" charset="-122"/>
+            </a:endParaRPr>
+          </a:p>
+          <a:p>
+            <a:pPr lvl="1"/>
+            <a:r>
+              <a:rPr lang="zh-CN" altLang="en-US">
+                <a:latin typeface="微软雅黑" panose="020B0503020204020204" pitchFamily="34" charset="-122"/>
+                <a:ea typeface="微软雅黑" panose="020B0503020204020204" pitchFamily="34" charset="-122"/>
+              </a:rPr>
+              <a:t>举例说明</a:t>
+            </a:r>
+            <a:endParaRPr lang="zh-CN" altLang="en-US">
+              <a:latin typeface="微软雅黑" panose="020B0503020204020204" pitchFamily="34" charset="-122"/>
+              <a:ea typeface="微软雅黑" panose="020B0503020204020204" pitchFamily="34" charset="-122"/>
+            </a:endParaRPr>
+          </a:p>
+          <a:p>
+            <a:pPr marL="457200" lvl="1" indent="0">
+              <a:buNone/>
+            </a:pPr>
+            <a:endParaRPr lang="zh-CN" altLang="en-US">
+              <a:latin typeface="微软雅黑" panose="020B0503020204020204" pitchFamily="34" charset="-122"/>
+              <a:ea typeface="微软雅黑" panose="020B0503020204020204" pitchFamily="34" charset="-122"/>
+            </a:endParaRPr>
+          </a:p>
+        </p:txBody>
+      </p:sp>
+    </p:spTree>
+  </p:cSld>
+  <p:clrMapOvr>
+    <a:masterClrMapping/>
+  </p:clrMapOvr>
+  <p:timing>
+    <p:tnLst>
+      <p:par>
+        <p:cTn id="1" dur="indefinite" restart="never" nodeType="tmRoot"/>
+      </p:par>
+    </p:tnLst>
+  </p:timing>
+</p:sld>
+</file>
+
+<file path=ppt/slides/slide24.xml><?xml version="1.0" encoding="utf-8"?>
 <p:sld xmlns:a="http://schemas.openxmlformats.org/drawingml/2006/main" xmlns:r="http://schemas.openxmlformats.org/officeDocument/2006/relationships" xmlns:p="http://schemas.openxmlformats.org/presentationml/2006/main">
   <p:cSld>
     <p:spTree>
@@ -10575,7 +11115,7 @@
 </p:sld>
 </file>
 
-<file path=ppt/slides/slide22.xml><?xml version="1.0" encoding="utf-8"?>
+<file path=ppt/slides/slide25.xml><?xml version="1.0" encoding="utf-8"?>
 <p:sld xmlns:a="http://schemas.openxmlformats.org/drawingml/2006/main" xmlns:r="http://schemas.openxmlformats.org/officeDocument/2006/relationships" xmlns:p="http://schemas.openxmlformats.org/presentationml/2006/main">
   <p:cSld>
     <p:spTree>
@@ -10720,7 +11260,7 @@
 </p:sld>
 </file>
 
-<file path=ppt/slides/slide23.xml><?xml version="1.0" encoding="utf-8"?>
+<file path=ppt/slides/slide26.xml><?xml version="1.0" encoding="utf-8"?>
 <p:sld xmlns:a="http://schemas.openxmlformats.org/drawingml/2006/main" xmlns:r="http://schemas.openxmlformats.org/officeDocument/2006/relationships" xmlns:p="http://schemas.openxmlformats.org/presentationml/2006/main">
   <p:cSld>
     <p:spTree>
@@ -11362,7 +11902,7 @@
 </p:sld>
 </file>
 
-<file path=ppt/slides/slide24.xml><?xml version="1.0" encoding="utf-8"?>
+<file path=ppt/slides/slide27.xml><?xml version="1.0" encoding="utf-8"?>
 <p:sld xmlns:a="http://schemas.openxmlformats.org/drawingml/2006/main" xmlns:r="http://schemas.openxmlformats.org/officeDocument/2006/relationships" xmlns:p="http://schemas.openxmlformats.org/presentationml/2006/main">
   <p:cSld>
     <p:spTree>
@@ -11440,7 +11980,7 @@
 </p:sld>
 </file>
 
-<file path=ppt/slides/slide25.xml><?xml version="1.0" encoding="utf-8"?>
+<file path=ppt/slides/slide28.xml><?xml version="1.0" encoding="utf-8"?>
 <p:sld xmlns:a="http://schemas.openxmlformats.org/drawingml/2006/main" xmlns:r="http://schemas.openxmlformats.org/officeDocument/2006/relationships" xmlns:p="http://schemas.openxmlformats.org/presentationml/2006/main">
   <p:cSld>
     <p:spTree>
@@ -12349,7 +12889,7 @@
 </p:sld>
 </file>
 
-<file path=ppt/slides/slide26.xml><?xml version="1.0" encoding="utf-8"?>
+<file path=ppt/slides/slide29.xml><?xml version="1.0" encoding="utf-8"?>
 <p:sld xmlns:a="http://schemas.openxmlformats.org/drawingml/2006/main" xmlns:r="http://schemas.openxmlformats.org/officeDocument/2006/relationships" xmlns:p="http://schemas.openxmlformats.org/presentationml/2006/main">
   <p:cSld>
     <p:spTree>
@@ -12670,7 +13210,249 @@
 </p:sld>
 </file>
 
-<file path=ppt/slides/slide27.xml><?xml version="1.0" encoding="utf-8"?>
+<file path=ppt/slides/slide3.xml><?xml version="1.0" encoding="utf-8"?>
+<p:sld xmlns:a="http://schemas.openxmlformats.org/drawingml/2006/main" xmlns:r="http://schemas.openxmlformats.org/officeDocument/2006/relationships" xmlns:p="http://schemas.openxmlformats.org/presentationml/2006/main">
+  <p:cSld>
+    <p:spTree>
+      <p:nvGrpSpPr>
+        <p:cNvPr id="1" name=""/>
+        <p:cNvGrpSpPr/>
+        <p:nvPr/>
+      </p:nvGrpSpPr>
+      <p:grpSpPr>
+        <a:xfrm>
+          <a:off x="0" y="0"/>
+          <a:ext cx="0" cy="0"/>
+          <a:chOff x="0" y="0"/>
+          <a:chExt cx="0" cy="0"/>
+        </a:xfrm>
+      </p:grpSpPr>
+      <p:grpSp>
+        <p:nvGrpSpPr>
+          <p:cNvPr id="7" name="组合 6"/>
+          <p:cNvGrpSpPr/>
+          <p:nvPr/>
+        </p:nvGrpSpPr>
+        <p:grpSpPr>
+          <a:xfrm>
+            <a:off x="5062108" y="2537714"/>
+            <a:ext cx="2067783" cy="1782572"/>
+            <a:chOff x="5007865" y="1755992"/>
+            <a:chExt cx="2067783" cy="1782572"/>
+          </a:xfrm>
+        </p:grpSpPr>
+        <p:sp>
+          <p:nvSpPr>
+            <p:cNvPr id="8" name="等腰三角形 7"/>
+            <p:cNvSpPr/>
+            <p:nvPr/>
+          </p:nvSpPr>
+          <p:spPr>
+            <a:xfrm>
+              <a:off x="5007865" y="1755992"/>
+              <a:ext cx="2067783" cy="1782572"/>
+            </a:xfrm>
+            <a:prstGeom prst="triangle">
+              <a:avLst/>
+            </a:prstGeom>
+            <a:solidFill>
+              <a:schemeClr val="tx1">
+                <a:lumMod val="85000"/>
+                <a:lumOff val="15000"/>
+                <a:alpha val="66000"/>
+              </a:schemeClr>
+            </a:solidFill>
+            <a:ln>
+              <a:noFill/>
+            </a:ln>
+          </p:spPr>
+          <p:style>
+            <a:lnRef idx="2">
+              <a:schemeClr val="accent1">
+                <a:shade val="50000"/>
+              </a:schemeClr>
+            </a:lnRef>
+            <a:fillRef idx="1">
+              <a:schemeClr val="accent1"/>
+            </a:fillRef>
+            <a:effectRef idx="0">
+              <a:schemeClr val="accent1"/>
+            </a:effectRef>
+            <a:fontRef idx="minor">
+              <a:schemeClr val="lt1"/>
+            </a:fontRef>
+          </p:style>
+          <p:txBody>
+            <a:bodyPr rtlCol="0" anchor="ctr"/>
+            <a:lstStyle/>
+            <a:p>
+              <a:pPr algn="ctr"/>
+              <a:endParaRPr lang="zh-CN" altLang="en-US"/>
+            </a:p>
+          </p:txBody>
+        </p:sp>
+        <p:sp>
+          <p:nvSpPr>
+            <p:cNvPr id="14" name="文本框 13"/>
+            <p:cNvSpPr txBox="1"/>
+            <p:nvPr/>
+          </p:nvSpPr>
+          <p:spPr>
+            <a:xfrm>
+              <a:off x="5522080" y="2879829"/>
+              <a:ext cx="1208405" cy="398780"/>
+            </a:xfrm>
+            <a:prstGeom prst="rect">
+              <a:avLst/>
+            </a:prstGeom>
+            <a:noFill/>
+          </p:spPr>
+          <p:txBody>
+            <a:bodyPr wrap="none" rtlCol="0">
+              <a:spAutoFit/>
+            </a:bodyPr>
+            <a:lstStyle/>
+            <a:p>
+              <a:r>
+                <a:rPr lang="en-US" altLang="zh-CN" sz="2000" dirty="0" smtClean="0">
+                  <a:solidFill>
+                    <a:schemeClr val="bg1">
+                      <a:alpha val="90000"/>
+                    </a:schemeClr>
+                  </a:solidFill>
+                  <a:latin typeface="微软雅黑" panose="020B0503020204020204" pitchFamily="34" charset="-122"/>
+                  <a:ea typeface="微软雅黑" panose="020B0503020204020204" pitchFamily="34" charset="-122"/>
+                </a:rPr>
+                <a:t>Features</a:t>
+              </a:r>
+              <a:endParaRPr lang="en-US" altLang="zh-CN" sz="2000" dirty="0" smtClean="0">
+                <a:solidFill>
+                  <a:schemeClr val="bg1">
+                    <a:alpha val="90000"/>
+                  </a:schemeClr>
+                </a:solidFill>
+                <a:latin typeface="微软雅黑" panose="020B0503020204020204" pitchFamily="34" charset="-122"/>
+                <a:ea typeface="微软雅黑" panose="020B0503020204020204" pitchFamily="34" charset="-122"/>
+              </a:endParaRPr>
+            </a:p>
+          </p:txBody>
+        </p:sp>
+        <p:sp>
+          <p:nvSpPr>
+            <p:cNvPr id="15" name="等腰三角形 14"/>
+            <p:cNvSpPr/>
+            <p:nvPr/>
+          </p:nvSpPr>
+          <p:spPr>
+            <a:xfrm>
+              <a:off x="5769500" y="1846728"/>
+              <a:ext cx="544512" cy="469407"/>
+            </a:xfrm>
+            <a:prstGeom prst="triangle">
+              <a:avLst/>
+            </a:prstGeom>
+            <a:solidFill>
+              <a:schemeClr val="tx1">
+                <a:lumMod val="85000"/>
+                <a:lumOff val="15000"/>
+                <a:alpha val="66000"/>
+              </a:schemeClr>
+            </a:solidFill>
+            <a:ln>
+              <a:noFill/>
+            </a:ln>
+          </p:spPr>
+          <p:style>
+            <a:lnRef idx="2">
+              <a:schemeClr val="accent1">
+                <a:shade val="50000"/>
+              </a:schemeClr>
+            </a:lnRef>
+            <a:fillRef idx="1">
+              <a:schemeClr val="accent1"/>
+            </a:fillRef>
+            <a:effectRef idx="0">
+              <a:schemeClr val="accent1"/>
+            </a:effectRef>
+            <a:fontRef idx="minor">
+              <a:schemeClr val="lt1"/>
+            </a:fontRef>
+          </p:style>
+          <p:txBody>
+            <a:bodyPr rtlCol="0" anchor="ctr"/>
+            <a:lstStyle/>
+            <a:p>
+              <a:pPr algn="ctr"/>
+              <a:endParaRPr lang="zh-CN" altLang="en-US"/>
+            </a:p>
+          </p:txBody>
+        </p:sp>
+        <p:sp>
+          <p:nvSpPr>
+            <p:cNvPr id="16" name="文本框 15"/>
+            <p:cNvSpPr txBox="1"/>
+            <p:nvPr/>
+          </p:nvSpPr>
+          <p:spPr>
+            <a:xfrm>
+              <a:off x="5885303" y="1919575"/>
+              <a:ext cx="312906" cy="400110"/>
+            </a:xfrm>
+            <a:prstGeom prst="rect">
+              <a:avLst/>
+            </a:prstGeom>
+            <a:noFill/>
+            <a:ln>
+              <a:noFill/>
+            </a:ln>
+          </p:spPr>
+          <p:txBody>
+            <a:bodyPr wrap="none" rtlCol="0">
+              <a:spAutoFit/>
+            </a:bodyPr>
+            <a:lstStyle/>
+            <a:p>
+              <a:r>
+                <a:rPr lang="en-US" altLang="zh-CN" sz="2000" b="1" smtClean="0">
+                  <a:solidFill>
+                    <a:schemeClr val="bg1">
+                      <a:alpha val="80000"/>
+                    </a:schemeClr>
+                  </a:solidFill>
+                  <a:latin typeface="时尚中黑简体" panose="01010104010101010101" pitchFamily="2" charset="-122"/>
+                  <a:ea typeface="时尚中黑简体" panose="01010104010101010101" pitchFamily="2" charset="-122"/>
+                </a:rPr>
+                <a:t>1</a:t>
+              </a:r>
+              <a:endParaRPr lang="zh-CN" altLang="en-US" sz="2000" b="1">
+                <a:solidFill>
+                  <a:schemeClr val="bg1">
+                    <a:alpha val="80000"/>
+                  </a:schemeClr>
+                </a:solidFill>
+                <a:latin typeface="时尚中黑简体" panose="01010104010101010101" pitchFamily="2" charset="-122"/>
+                <a:ea typeface="时尚中黑简体" panose="01010104010101010101" pitchFamily="2" charset="-122"/>
+              </a:endParaRPr>
+            </a:p>
+          </p:txBody>
+        </p:sp>
+      </p:grpSp>
+    </p:spTree>
+  </p:cSld>
+  <p:clrMapOvr>
+    <a:masterClrMapping/>
+  </p:clrMapOvr>
+  <p:timing>
+    <p:tnLst>
+      <p:par>
+        <p:cTn id="1" dur="indefinite" restart="never" nodeType="tmRoot"/>
+      </p:par>
+    </p:tnLst>
+  </p:timing>
+</p:sld>
+</file>
+
+<file path=ppt/slides/slide30.xml><?xml version="1.0" encoding="utf-8"?>
 <p:sld xmlns:a="http://schemas.openxmlformats.org/drawingml/2006/main" xmlns:r="http://schemas.openxmlformats.org/officeDocument/2006/relationships" xmlns:p="http://schemas.openxmlformats.org/presentationml/2006/main" show="0">
   <p:cSld>
     <p:spTree>
@@ -13403,7 +14185,7 @@
 </p:sld>
 </file>
 
-<file path=ppt/slides/slide28.xml><?xml version="1.0" encoding="utf-8"?>
+<file path=ppt/slides/slide31.xml><?xml version="1.0" encoding="utf-8"?>
 <p:sld xmlns:a="http://schemas.openxmlformats.org/drawingml/2006/main" xmlns:r="http://schemas.openxmlformats.org/officeDocument/2006/relationships" xmlns:p="http://schemas.openxmlformats.org/presentationml/2006/main">
   <p:cSld>
     <p:spTree>
@@ -14230,7 +15012,7 @@
 </p:sld>
 </file>
 
-<file path=ppt/slides/slide29.xml><?xml version="1.0" encoding="utf-8"?>
+<file path=ppt/slides/slide32.xml><?xml version="1.0" encoding="utf-8"?>
 <p:sld xmlns:a="http://schemas.openxmlformats.org/drawingml/2006/main" xmlns:r="http://schemas.openxmlformats.org/officeDocument/2006/relationships" xmlns:p="http://schemas.openxmlformats.org/presentationml/2006/main">
   <p:cSld>
     <p:spTree>
@@ -15282,249 +16064,7 @@
 </p:sld>
 </file>
 
-<file path=ppt/slides/slide3.xml><?xml version="1.0" encoding="utf-8"?>
-<p:sld xmlns:a="http://schemas.openxmlformats.org/drawingml/2006/main" xmlns:r="http://schemas.openxmlformats.org/officeDocument/2006/relationships" xmlns:p="http://schemas.openxmlformats.org/presentationml/2006/main">
-  <p:cSld>
-    <p:spTree>
-      <p:nvGrpSpPr>
-        <p:cNvPr id="1" name=""/>
-        <p:cNvGrpSpPr/>
-        <p:nvPr/>
-      </p:nvGrpSpPr>
-      <p:grpSpPr>
-        <a:xfrm>
-          <a:off x="0" y="0"/>
-          <a:ext cx="0" cy="0"/>
-          <a:chOff x="0" y="0"/>
-          <a:chExt cx="0" cy="0"/>
-        </a:xfrm>
-      </p:grpSpPr>
-      <p:grpSp>
-        <p:nvGrpSpPr>
-          <p:cNvPr id="7" name="组合 6"/>
-          <p:cNvGrpSpPr/>
-          <p:nvPr/>
-        </p:nvGrpSpPr>
-        <p:grpSpPr>
-          <a:xfrm>
-            <a:off x="5062108" y="2537714"/>
-            <a:ext cx="2067783" cy="1782572"/>
-            <a:chOff x="5007865" y="1755992"/>
-            <a:chExt cx="2067783" cy="1782572"/>
-          </a:xfrm>
-        </p:grpSpPr>
-        <p:sp>
-          <p:nvSpPr>
-            <p:cNvPr id="8" name="等腰三角形 7"/>
-            <p:cNvSpPr/>
-            <p:nvPr/>
-          </p:nvSpPr>
-          <p:spPr>
-            <a:xfrm>
-              <a:off x="5007865" y="1755992"/>
-              <a:ext cx="2067783" cy="1782572"/>
-            </a:xfrm>
-            <a:prstGeom prst="triangle">
-              <a:avLst/>
-            </a:prstGeom>
-            <a:solidFill>
-              <a:schemeClr val="tx1">
-                <a:lumMod val="85000"/>
-                <a:lumOff val="15000"/>
-                <a:alpha val="66000"/>
-              </a:schemeClr>
-            </a:solidFill>
-            <a:ln>
-              <a:noFill/>
-            </a:ln>
-          </p:spPr>
-          <p:style>
-            <a:lnRef idx="2">
-              <a:schemeClr val="accent1">
-                <a:shade val="50000"/>
-              </a:schemeClr>
-            </a:lnRef>
-            <a:fillRef idx="1">
-              <a:schemeClr val="accent1"/>
-            </a:fillRef>
-            <a:effectRef idx="0">
-              <a:schemeClr val="accent1"/>
-            </a:effectRef>
-            <a:fontRef idx="minor">
-              <a:schemeClr val="lt1"/>
-            </a:fontRef>
-          </p:style>
-          <p:txBody>
-            <a:bodyPr rtlCol="0" anchor="ctr"/>
-            <a:lstStyle/>
-            <a:p>
-              <a:pPr algn="ctr"/>
-              <a:endParaRPr lang="zh-CN" altLang="en-US"/>
-            </a:p>
-          </p:txBody>
-        </p:sp>
-        <p:sp>
-          <p:nvSpPr>
-            <p:cNvPr id="14" name="文本框 13"/>
-            <p:cNvSpPr txBox="1"/>
-            <p:nvPr/>
-          </p:nvSpPr>
-          <p:spPr>
-            <a:xfrm>
-              <a:off x="5522080" y="2879829"/>
-              <a:ext cx="1208405" cy="398780"/>
-            </a:xfrm>
-            <a:prstGeom prst="rect">
-              <a:avLst/>
-            </a:prstGeom>
-            <a:noFill/>
-          </p:spPr>
-          <p:txBody>
-            <a:bodyPr wrap="none" rtlCol="0">
-              <a:spAutoFit/>
-            </a:bodyPr>
-            <a:lstStyle/>
-            <a:p>
-              <a:r>
-                <a:rPr lang="en-US" altLang="zh-CN" sz="2000" dirty="0" smtClean="0">
-                  <a:solidFill>
-                    <a:schemeClr val="bg1">
-                      <a:alpha val="90000"/>
-                    </a:schemeClr>
-                  </a:solidFill>
-                  <a:latin typeface="微软雅黑" panose="020B0503020204020204" pitchFamily="34" charset="-122"/>
-                  <a:ea typeface="微软雅黑" panose="020B0503020204020204" pitchFamily="34" charset="-122"/>
-                </a:rPr>
-                <a:t>Features</a:t>
-              </a:r>
-              <a:endParaRPr lang="en-US" altLang="zh-CN" sz="2000" dirty="0" smtClean="0">
-                <a:solidFill>
-                  <a:schemeClr val="bg1">
-                    <a:alpha val="90000"/>
-                  </a:schemeClr>
-                </a:solidFill>
-                <a:latin typeface="微软雅黑" panose="020B0503020204020204" pitchFamily="34" charset="-122"/>
-                <a:ea typeface="微软雅黑" panose="020B0503020204020204" pitchFamily="34" charset="-122"/>
-              </a:endParaRPr>
-            </a:p>
-          </p:txBody>
-        </p:sp>
-        <p:sp>
-          <p:nvSpPr>
-            <p:cNvPr id="15" name="等腰三角形 14"/>
-            <p:cNvSpPr/>
-            <p:nvPr/>
-          </p:nvSpPr>
-          <p:spPr>
-            <a:xfrm>
-              <a:off x="5769500" y="1846728"/>
-              <a:ext cx="544512" cy="469407"/>
-            </a:xfrm>
-            <a:prstGeom prst="triangle">
-              <a:avLst/>
-            </a:prstGeom>
-            <a:solidFill>
-              <a:schemeClr val="tx1">
-                <a:lumMod val="85000"/>
-                <a:lumOff val="15000"/>
-                <a:alpha val="66000"/>
-              </a:schemeClr>
-            </a:solidFill>
-            <a:ln>
-              <a:noFill/>
-            </a:ln>
-          </p:spPr>
-          <p:style>
-            <a:lnRef idx="2">
-              <a:schemeClr val="accent1">
-                <a:shade val="50000"/>
-              </a:schemeClr>
-            </a:lnRef>
-            <a:fillRef idx="1">
-              <a:schemeClr val="accent1"/>
-            </a:fillRef>
-            <a:effectRef idx="0">
-              <a:schemeClr val="accent1"/>
-            </a:effectRef>
-            <a:fontRef idx="minor">
-              <a:schemeClr val="lt1"/>
-            </a:fontRef>
-          </p:style>
-          <p:txBody>
-            <a:bodyPr rtlCol="0" anchor="ctr"/>
-            <a:lstStyle/>
-            <a:p>
-              <a:pPr algn="ctr"/>
-              <a:endParaRPr lang="zh-CN" altLang="en-US"/>
-            </a:p>
-          </p:txBody>
-        </p:sp>
-        <p:sp>
-          <p:nvSpPr>
-            <p:cNvPr id="16" name="文本框 15"/>
-            <p:cNvSpPr txBox="1"/>
-            <p:nvPr/>
-          </p:nvSpPr>
-          <p:spPr>
-            <a:xfrm>
-              <a:off x="5885303" y="1919575"/>
-              <a:ext cx="312906" cy="400110"/>
-            </a:xfrm>
-            <a:prstGeom prst="rect">
-              <a:avLst/>
-            </a:prstGeom>
-            <a:noFill/>
-            <a:ln>
-              <a:noFill/>
-            </a:ln>
-          </p:spPr>
-          <p:txBody>
-            <a:bodyPr wrap="none" rtlCol="0">
-              <a:spAutoFit/>
-            </a:bodyPr>
-            <a:lstStyle/>
-            <a:p>
-              <a:r>
-                <a:rPr lang="en-US" altLang="zh-CN" sz="2000" b="1" smtClean="0">
-                  <a:solidFill>
-                    <a:schemeClr val="bg1">
-                      <a:alpha val="80000"/>
-                    </a:schemeClr>
-                  </a:solidFill>
-                  <a:latin typeface="时尚中黑简体" panose="01010104010101010101" pitchFamily="2" charset="-122"/>
-                  <a:ea typeface="时尚中黑简体" panose="01010104010101010101" pitchFamily="2" charset="-122"/>
-                </a:rPr>
-                <a:t>1</a:t>
-              </a:r>
-              <a:endParaRPr lang="zh-CN" altLang="en-US" sz="2000" b="1">
-                <a:solidFill>
-                  <a:schemeClr val="bg1">
-                    <a:alpha val="80000"/>
-                  </a:schemeClr>
-                </a:solidFill>
-                <a:latin typeface="时尚中黑简体" panose="01010104010101010101" pitchFamily="2" charset="-122"/>
-                <a:ea typeface="时尚中黑简体" panose="01010104010101010101" pitchFamily="2" charset="-122"/>
-              </a:endParaRPr>
-            </a:p>
-          </p:txBody>
-        </p:sp>
-      </p:grpSp>
-    </p:spTree>
-  </p:cSld>
-  <p:clrMapOvr>
-    <a:masterClrMapping/>
-  </p:clrMapOvr>
-  <p:timing>
-    <p:tnLst>
-      <p:par>
-        <p:cTn id="1" dur="indefinite" restart="never" nodeType="tmRoot"/>
-      </p:par>
-    </p:tnLst>
-  </p:timing>
-</p:sld>
-</file>
-
-<file path=ppt/slides/slide30.xml><?xml version="1.0" encoding="utf-8"?>
+<file path=ppt/slides/slide33.xml><?xml version="1.0" encoding="utf-8"?>
 <p:sld xmlns:a="http://schemas.openxmlformats.org/drawingml/2006/main" xmlns:r="http://schemas.openxmlformats.org/officeDocument/2006/relationships" xmlns:p="http://schemas.openxmlformats.org/presentationml/2006/main">
   <p:cSld>
     <p:spTree>
@@ -15983,7 +16523,7 @@
 </p:sld>
 </file>
 
-<file path=ppt/slides/slide31.xml><?xml version="1.0" encoding="utf-8"?>
+<file path=ppt/slides/slide34.xml><?xml version="1.0" encoding="utf-8"?>
 <p:sld xmlns:a="http://schemas.openxmlformats.org/drawingml/2006/main" xmlns:r="http://schemas.openxmlformats.org/officeDocument/2006/relationships" xmlns:p="http://schemas.openxmlformats.org/presentationml/2006/main">
   <p:cSld>
     <p:spTree>
@@ -17588,7 +18128,7 @@
 </p:sld>
 </file>
 
-<file path=ppt/slides/slide32.xml><?xml version="1.0" encoding="utf-8"?>
+<file path=ppt/slides/slide35.xml><?xml version="1.0" encoding="utf-8"?>
 <p:sld xmlns:a="http://schemas.openxmlformats.org/drawingml/2006/main" xmlns:r="http://schemas.openxmlformats.org/officeDocument/2006/relationships" xmlns:p="http://schemas.openxmlformats.org/presentationml/2006/main">
   <p:cSld>
     <p:spTree>
@@ -19269,7 +19809,7 @@
 </p:sld>
 </file>
 
-<file path=ppt/slides/slide33.xml><?xml version="1.0" encoding="utf-8"?>
+<file path=ppt/slides/slide36.xml><?xml version="1.0" encoding="utf-8"?>
 <p:sld xmlns:a="http://schemas.openxmlformats.org/drawingml/2006/main" xmlns:r="http://schemas.openxmlformats.org/officeDocument/2006/relationships" xmlns:p="http://schemas.openxmlformats.org/presentationml/2006/main">
   <p:cSld>
     <p:spTree>
@@ -19487,7 +20027,7 @@
 </p:sld>
 </file>
 
-<file path=ppt/slides/slide34.xml><?xml version="1.0" encoding="utf-8"?>
+<file path=ppt/slides/slide37.xml><?xml version="1.0" encoding="utf-8"?>
 <p:sld xmlns:a="http://schemas.openxmlformats.org/drawingml/2006/main" xmlns:r="http://schemas.openxmlformats.org/officeDocument/2006/relationships" xmlns:p="http://schemas.openxmlformats.org/presentationml/2006/main">
   <p:cSld>
     <p:spTree>
@@ -19591,7 +20131,7 @@
 </p:sld>
 </file>
 
-<file path=ppt/slides/slide35.xml><?xml version="1.0" encoding="utf-8"?>
+<file path=ppt/slides/slide38.xml><?xml version="1.0" encoding="utf-8"?>
 <p:sld xmlns:a="http://schemas.openxmlformats.org/drawingml/2006/main" xmlns:r="http://schemas.openxmlformats.org/officeDocument/2006/relationships" xmlns:p="http://schemas.openxmlformats.org/presentationml/2006/main">
   <p:cSld>
     <p:spTree>
@@ -20356,7 +20896,7 @@
 </p:sld>
 </file>
 
-<file path=ppt/slides/slide36.xml><?xml version="1.0" encoding="utf-8"?>
+<file path=ppt/slides/slide39.xml><?xml version="1.0" encoding="utf-8"?>
 <p:sld xmlns:a="http://schemas.openxmlformats.org/drawingml/2006/main" xmlns:r="http://schemas.openxmlformats.org/officeDocument/2006/relationships" xmlns:p="http://schemas.openxmlformats.org/presentationml/2006/main">
   <p:cSld>
     <p:spTree>
@@ -20874,7 +21414,438 @@
 </p:sld>
 </file>
 
-<file path=ppt/slides/slide37.xml><?xml version="1.0" encoding="utf-8"?>
+<file path=ppt/slides/slide4.xml><?xml version="1.0" encoding="utf-8"?>
+<p:sld xmlns:a="http://schemas.openxmlformats.org/drawingml/2006/main" xmlns:r="http://schemas.openxmlformats.org/officeDocument/2006/relationships" xmlns:p="http://schemas.openxmlformats.org/presentationml/2006/main">
+  <p:cSld>
+    <p:spTree>
+      <p:nvGrpSpPr>
+        <p:cNvPr id="1" name=""/>
+        <p:cNvGrpSpPr/>
+        <p:nvPr/>
+      </p:nvGrpSpPr>
+      <p:grpSpPr>
+        <a:xfrm>
+          <a:off x="0" y="0"/>
+          <a:ext cx="0" cy="0"/>
+          <a:chOff x="0" y="0"/>
+          <a:chExt cx="0" cy="0"/>
+        </a:xfrm>
+      </p:grpSpPr>
+      <p:sp>
+        <p:nvSpPr>
+          <p:cNvPr id="18" name="矩形 17"/>
+          <p:cNvSpPr/>
+          <p:nvPr/>
+        </p:nvSpPr>
+        <p:spPr>
+          <a:xfrm>
+            <a:off x="0" y="435206"/>
+            <a:ext cx="313060" cy="313058"/>
+          </a:xfrm>
+          <a:prstGeom prst="rect">
+            <a:avLst/>
+          </a:prstGeom>
+          <a:solidFill>
+            <a:schemeClr val="tx1">
+              <a:lumMod val="85000"/>
+              <a:lumOff val="15000"/>
+              <a:alpha val="82000"/>
+            </a:schemeClr>
+          </a:solidFill>
+          <a:ln>
+            <a:noFill/>
+          </a:ln>
+        </p:spPr>
+        <p:style>
+          <a:lnRef idx="2">
+            <a:schemeClr val="accent1">
+              <a:shade val="50000"/>
+            </a:schemeClr>
+          </a:lnRef>
+          <a:fillRef idx="1">
+            <a:schemeClr val="accent1"/>
+          </a:fillRef>
+          <a:effectRef idx="0">
+            <a:schemeClr val="accent1"/>
+          </a:effectRef>
+          <a:fontRef idx="minor">
+            <a:schemeClr val="lt1"/>
+          </a:fontRef>
+        </p:style>
+        <p:txBody>
+          <a:bodyPr rtlCol="0" anchor="ctr"/>
+          <a:lstStyle/>
+          <a:p>
+            <a:pPr algn="ctr"/>
+            <a:endParaRPr lang="zh-CN" altLang="en-US">
+              <a:latin typeface="微软雅黑" panose="020B0503020204020204" pitchFamily="34" charset="-122"/>
+              <a:ea typeface="微软雅黑" panose="020B0503020204020204" pitchFamily="34" charset="-122"/>
+            </a:endParaRPr>
+          </a:p>
+        </p:txBody>
+      </p:sp>
+      <p:sp>
+        <p:nvSpPr>
+          <p:cNvPr id="19" name="文本框 18"/>
+          <p:cNvSpPr txBox="1"/>
+          <p:nvPr/>
+        </p:nvSpPr>
+        <p:spPr>
+          <a:xfrm>
+            <a:off x="21717" y="391680"/>
+            <a:ext cx="335348" cy="400110"/>
+          </a:xfrm>
+          <a:prstGeom prst="rect">
+            <a:avLst/>
+          </a:prstGeom>
+          <a:noFill/>
+          <a:ln>
+            <a:noFill/>
+          </a:ln>
+        </p:spPr>
+        <p:txBody>
+          <a:bodyPr wrap="none" rtlCol="0">
+            <a:spAutoFit/>
+          </a:bodyPr>
+          <a:lstStyle/>
+          <a:p>
+            <a:r>
+              <a:rPr lang="en-US" altLang="zh-CN" sz="2000" smtClean="0">
+                <a:solidFill>
+                  <a:schemeClr val="bg1"/>
+                </a:solidFill>
+                <a:latin typeface="微软雅黑" panose="020B0503020204020204" pitchFamily="34" charset="-122"/>
+                <a:ea typeface="微软雅黑" panose="020B0503020204020204" pitchFamily="34" charset="-122"/>
+              </a:rPr>
+              <a:t>1</a:t>
+            </a:r>
+            <a:endParaRPr lang="zh-CN" altLang="en-US" sz="2000">
+              <a:solidFill>
+                <a:schemeClr val="bg1"/>
+              </a:solidFill>
+              <a:latin typeface="微软雅黑" panose="020B0503020204020204" pitchFamily="34" charset="-122"/>
+              <a:ea typeface="微软雅黑" panose="020B0503020204020204" pitchFamily="34" charset="-122"/>
+            </a:endParaRPr>
+          </a:p>
+        </p:txBody>
+      </p:sp>
+      <p:sp>
+        <p:nvSpPr>
+          <p:cNvPr id="2" name="标题 1"/>
+          <p:cNvSpPr>
+            <a:spLocks noGrp="1"/>
+          </p:cNvSpPr>
+          <p:nvPr>
+            <p:ph type="title"/>
+          </p:nvPr>
+        </p:nvSpPr>
+        <p:spPr/>
+        <p:txBody>
+          <a:bodyPr>
+            <a:normAutofit fontScale="90000"/>
+          </a:bodyPr>
+          <a:lstStyle/>
+          <a:p>
+            <a:r>
+              <a:rPr lang="en-US" sz="4000" dirty="0">
+                <a:latin typeface="微软雅黑" panose="020B0503020204020204" pitchFamily="34" charset="-122"/>
+                <a:ea typeface="微软雅黑" panose="020B0503020204020204" pitchFamily="34" charset="-122"/>
+              </a:rPr>
+              <a:t>GeeQuery 1.12</a:t>
+            </a:r>
+            <a:br>
+              <a:rPr lang="en-US" dirty="0">
+                <a:latin typeface="微软雅黑" panose="020B0503020204020204" pitchFamily="34" charset="-122"/>
+                <a:ea typeface="微软雅黑" panose="020B0503020204020204" pitchFamily="34" charset="-122"/>
+              </a:rPr>
+            </a:br>
+            <a:r>
+              <a:rPr lang="en-US" dirty="0">
+                <a:latin typeface="微软雅黑" panose="020B0503020204020204" pitchFamily="34" charset="-122"/>
+                <a:ea typeface="微软雅黑" panose="020B0503020204020204" pitchFamily="34" charset="-122"/>
+              </a:rPr>
+              <a:t>                         </a:t>
+            </a:r>
+            <a:r>
+              <a:rPr lang="en-US" altLang="zh-CN" sz="2800" dirty="0">
+                <a:latin typeface="微软雅黑" panose="020B0503020204020204" pitchFamily="34" charset="-122"/>
+                <a:ea typeface="微软雅黑" panose="020B0503020204020204" pitchFamily="34" charset="-122"/>
+              </a:rPr>
+              <a:t>——</a:t>
+            </a:r>
+            <a:r>
+              <a:rPr lang="en-US" altLang="zh-CN" sz="2800" dirty="0">
+                <a:latin typeface="微软雅黑" panose="020B0503020204020204" pitchFamily="34" charset="-122"/>
+                <a:ea typeface="微软雅黑" panose="020B0503020204020204" pitchFamily="34" charset="-122"/>
+                <a:sym typeface="+mn-ea"/>
+              </a:rPr>
+              <a:t>Wish it to be the last version of 1.x</a:t>
+            </a:r>
+            <a:br>
+              <a:rPr lang="en-US" altLang="zh-CN" sz="2800" dirty="0">
+                <a:latin typeface="微软雅黑" panose="020B0503020204020204" pitchFamily="34" charset="-122"/>
+                <a:ea typeface="微软雅黑" panose="020B0503020204020204" pitchFamily="34" charset="-122"/>
+              </a:rPr>
+            </a:br>
+            <a:endParaRPr lang="en-US" altLang="zh-CN" sz="2800" dirty="0">
+              <a:latin typeface="微软雅黑" panose="020B0503020204020204" pitchFamily="34" charset="-122"/>
+              <a:ea typeface="微软雅黑" panose="020B0503020204020204" pitchFamily="34" charset="-122"/>
+            </a:endParaRPr>
+          </a:p>
+        </p:txBody>
+      </p:sp>
+      <p:sp>
+        <p:nvSpPr>
+          <p:cNvPr id="3" name="内容占位符 2"/>
+          <p:cNvSpPr>
+            <a:spLocks noGrp="1"/>
+          </p:cNvSpPr>
+          <p:nvPr>
+            <p:ph idx="1"/>
+          </p:nvPr>
+        </p:nvSpPr>
+        <p:spPr>
+          <a:xfrm>
+            <a:off x="838200" y="1619250"/>
+            <a:ext cx="10515600" cy="4576763"/>
+          </a:xfrm>
+        </p:spPr>
+        <p:txBody>
+          <a:bodyPr>
+            <a:normAutofit/>
+          </a:bodyPr>
+          <a:lstStyle/>
+          <a:p>
+            <a:pPr>
+              <a:lnSpc>
+                <a:spcPct val="110000"/>
+              </a:lnSpc>
+            </a:pPr>
+            <a:r>
+              <a:rPr lang="en-US" altLang="zh-CN" dirty="0">
+                <a:latin typeface="微软雅黑" panose="020B0503020204020204" pitchFamily="34" charset="-122"/>
+                <a:ea typeface="微软雅黑" panose="020B0503020204020204" pitchFamily="34" charset="-122"/>
+              </a:rPr>
+              <a:t>Spring supporting</a:t>
+            </a:r>
+            <a:endParaRPr lang="en-US" altLang="zh-CN" dirty="0">
+              <a:latin typeface="微软雅黑" panose="020B0503020204020204" pitchFamily="34" charset="-122"/>
+              <a:ea typeface="微软雅黑" panose="020B0503020204020204" pitchFamily="34" charset="-122"/>
+            </a:endParaRPr>
+          </a:p>
+          <a:p>
+            <a:pPr lvl="1">
+              <a:lnSpc>
+                <a:spcPct val="110000"/>
+              </a:lnSpc>
+            </a:pPr>
+            <a:r>
+              <a:rPr lang="en-US" altLang="zh-CN" dirty="0">
+                <a:latin typeface="微软雅黑" panose="020B0503020204020204" pitchFamily="34" charset="-122"/>
+                <a:ea typeface="微软雅黑" panose="020B0503020204020204" pitchFamily="34" charset="-122"/>
+              </a:rPr>
+              <a:t>Spring 5.x</a:t>
+            </a:r>
+            <a:endParaRPr lang="en-US" altLang="zh-CN" dirty="0">
+              <a:latin typeface="微软雅黑" panose="020B0503020204020204" pitchFamily="34" charset="-122"/>
+              <a:ea typeface="微软雅黑" panose="020B0503020204020204" pitchFamily="34" charset="-122"/>
+            </a:endParaRPr>
+          </a:p>
+          <a:p>
+            <a:pPr lvl="1">
+              <a:lnSpc>
+                <a:spcPct val="110000"/>
+              </a:lnSpc>
+            </a:pPr>
+            <a:r>
+              <a:rPr lang="en-US" altLang="zh-CN" dirty="0">
+                <a:latin typeface="微软雅黑" panose="020B0503020204020204" pitchFamily="34" charset="-122"/>
+                <a:ea typeface="微软雅黑" panose="020B0503020204020204" pitchFamily="34" charset="-122"/>
+              </a:rPr>
+              <a:t>Spring-data v2</a:t>
+            </a:r>
+            <a:endParaRPr lang="en-US" altLang="zh-CN" dirty="0">
+              <a:latin typeface="微软雅黑" panose="020B0503020204020204" pitchFamily="34" charset="-122"/>
+              <a:ea typeface="微软雅黑" panose="020B0503020204020204" pitchFamily="34" charset="-122"/>
+            </a:endParaRPr>
+          </a:p>
+          <a:p>
+            <a:pPr lvl="1">
+              <a:lnSpc>
+                <a:spcPct val="110000"/>
+              </a:lnSpc>
+            </a:pPr>
+            <a:r>
+              <a:rPr lang="en-US" altLang="zh-CN" dirty="0">
+                <a:latin typeface="微软雅黑" panose="020B0503020204020204" pitchFamily="34" charset="-122"/>
+                <a:ea typeface="微软雅黑" panose="020B0503020204020204" pitchFamily="34" charset="-122"/>
+              </a:rPr>
+              <a:t>Spring-boot v2 (Based M7)</a:t>
+            </a:r>
+            <a:endParaRPr lang="en-US" altLang="zh-CN" dirty="0">
+              <a:latin typeface="微软雅黑" panose="020B0503020204020204" pitchFamily="34" charset="-122"/>
+              <a:ea typeface="微软雅黑" panose="020B0503020204020204" pitchFamily="34" charset="-122"/>
+            </a:endParaRPr>
+          </a:p>
+          <a:p>
+            <a:pPr lvl="1">
+              <a:lnSpc>
+                <a:spcPct val="110000"/>
+              </a:lnSpc>
+            </a:pPr>
+            <a:r>
+              <a:rPr lang="en-US" altLang="zh-CN" dirty="0">
+                <a:latin typeface="微软雅黑" panose="020B0503020204020204" pitchFamily="34" charset="-122"/>
+                <a:ea typeface="微软雅黑" panose="020B0503020204020204" pitchFamily="34" charset="-122"/>
+              </a:rPr>
+              <a:t>Spring-autoconfigure supporting, zero-configuration.</a:t>
+            </a:r>
+            <a:endParaRPr lang="en-US" altLang="zh-CN" dirty="0">
+              <a:latin typeface="微软雅黑" panose="020B0503020204020204" pitchFamily="34" charset="-122"/>
+              <a:ea typeface="微软雅黑" panose="020B0503020204020204" pitchFamily="34" charset="-122"/>
+            </a:endParaRPr>
+          </a:p>
+          <a:p>
+            <a:pPr lvl="0">
+              <a:lnSpc>
+                <a:spcPct val="110000"/>
+              </a:lnSpc>
+            </a:pPr>
+            <a:r>
+              <a:rPr lang="en-US" altLang="zh-CN" dirty="0">
+                <a:latin typeface="微软雅黑" panose="020B0503020204020204" pitchFamily="34" charset="-122"/>
+                <a:ea typeface="微软雅黑" panose="020B0503020204020204" pitchFamily="34" charset="-122"/>
+                <a:sym typeface="+mn-ea"/>
+              </a:rPr>
+              <a:t>Be more friendly to IDE debugging</a:t>
+            </a:r>
+            <a:endParaRPr lang="en-US" altLang="zh-CN" sz="2800" dirty="0">
+              <a:latin typeface="微软雅黑" panose="020B0503020204020204" pitchFamily="34" charset="-122"/>
+              <a:ea typeface="微软雅黑" panose="020B0503020204020204" pitchFamily="34" charset="-122"/>
+            </a:endParaRPr>
+          </a:p>
+          <a:p>
+            <a:pPr lvl="1">
+              <a:lnSpc>
+                <a:spcPct val="110000"/>
+              </a:lnSpc>
+            </a:pPr>
+            <a:r>
+              <a:rPr lang="en-US" altLang="zh-CN" sz="2400" dirty="0">
+                <a:latin typeface="微软雅黑" panose="020B0503020204020204" pitchFamily="34" charset="-122"/>
+                <a:ea typeface="微软雅黑" panose="020B0503020204020204" pitchFamily="34" charset="-122"/>
+              </a:rPr>
+              <a:t>Dynamic enhancement (</a:t>
+            </a:r>
+            <a:r>
+              <a:rPr lang="en-US" altLang="zh-CN" dirty="0">
+                <a:latin typeface="微软雅黑" panose="020B0503020204020204" pitchFamily="34" charset="-122"/>
+                <a:ea typeface="微软雅黑" panose="020B0503020204020204" pitchFamily="34" charset="-122"/>
+                <a:sym typeface="+mn-ea"/>
+              </a:rPr>
+              <a:t>Powered by spring-instrument</a:t>
+            </a:r>
+            <a:r>
+              <a:rPr lang="en-US" altLang="zh-CN" sz="2400" dirty="0">
+                <a:latin typeface="微软雅黑" panose="020B0503020204020204" pitchFamily="34" charset="-122"/>
+                <a:ea typeface="微软雅黑" panose="020B0503020204020204" pitchFamily="34" charset="-122"/>
+              </a:rPr>
+              <a:t>)</a:t>
+            </a:r>
+            <a:endParaRPr lang="en-US" altLang="zh-CN" sz="2400" dirty="0">
+              <a:latin typeface="微软雅黑" panose="020B0503020204020204" pitchFamily="34" charset="-122"/>
+              <a:ea typeface="微软雅黑" panose="020B0503020204020204" pitchFamily="34" charset="-122"/>
+            </a:endParaRPr>
+          </a:p>
+          <a:p>
+            <a:pPr lvl="0">
+              <a:lnSpc>
+                <a:spcPct val="110000"/>
+              </a:lnSpc>
+            </a:pPr>
+            <a:r>
+              <a:rPr lang="en-US" altLang="zh-CN" sz="2800" dirty="0">
+                <a:latin typeface="微软雅黑" panose="020B0503020204020204" pitchFamily="34" charset="-122"/>
+                <a:ea typeface="微软雅黑" panose="020B0503020204020204" pitchFamily="34" charset="-122"/>
+              </a:rPr>
+              <a:t>Data initialization.</a:t>
+            </a:r>
+            <a:endParaRPr lang="en-US" altLang="zh-CN" sz="2800" dirty="0">
+              <a:latin typeface="微软雅黑" panose="020B0503020204020204" pitchFamily="34" charset="-122"/>
+              <a:ea typeface="微软雅黑" panose="020B0503020204020204" pitchFamily="34" charset="-122"/>
+            </a:endParaRPr>
+          </a:p>
+          <a:p>
+            <a:pPr lvl="1">
+              <a:lnSpc>
+                <a:spcPct val="110000"/>
+              </a:lnSpc>
+            </a:pPr>
+            <a:r>
+              <a:rPr lang="en-US" altLang="zh-CN" sz="2400" dirty="0">
+                <a:latin typeface="微软雅黑" panose="020B0503020204020204" pitchFamily="34" charset="-122"/>
+                <a:ea typeface="微软雅黑" panose="020B0503020204020204" pitchFamily="34" charset="-122"/>
+              </a:rPr>
+              <a:t>Supporting CSV, SQL with annotation @InitializeData</a:t>
+            </a:r>
+            <a:endParaRPr lang="en-US" altLang="zh-CN" sz="2400" dirty="0">
+              <a:latin typeface="微软雅黑" panose="020B0503020204020204" pitchFamily="34" charset="-122"/>
+              <a:ea typeface="微软雅黑" panose="020B0503020204020204" pitchFamily="34" charset="-122"/>
+            </a:endParaRPr>
+          </a:p>
+          <a:p>
+            <a:pPr lvl="0"/>
+            <a:endParaRPr lang="en-US" altLang="zh-CN" sz="2800" dirty="0">
+              <a:latin typeface="微软雅黑" panose="020B0503020204020204" pitchFamily="34" charset="-122"/>
+              <a:ea typeface="微软雅黑" panose="020B0503020204020204" pitchFamily="34" charset="-122"/>
+            </a:endParaRPr>
+          </a:p>
+          <a:p>
+            <a:pPr lvl="1"/>
+            <a:endParaRPr lang="en-US" altLang="zh-CN" sz="2400" dirty="0">
+              <a:latin typeface="微软雅黑" panose="020B0503020204020204" pitchFamily="34" charset="-122"/>
+              <a:ea typeface="微软雅黑" panose="020B0503020204020204" pitchFamily="34" charset="-122"/>
+            </a:endParaRPr>
+          </a:p>
+          <a:p>
+            <a:pPr lvl="0"/>
+            <a:endParaRPr lang="en-US" altLang="zh-CN" sz="2800" dirty="0">
+              <a:latin typeface="微软雅黑" panose="020B0503020204020204" pitchFamily="34" charset="-122"/>
+              <a:ea typeface="微软雅黑" panose="020B0503020204020204" pitchFamily="34" charset="-122"/>
+            </a:endParaRPr>
+          </a:p>
+          <a:p>
+            <a:endParaRPr lang="en-US" altLang="zh-CN" dirty="0">
+              <a:latin typeface="微软雅黑" panose="020B0503020204020204" pitchFamily="34" charset="-122"/>
+              <a:ea typeface="微软雅黑" panose="020B0503020204020204" pitchFamily="34" charset="-122"/>
+            </a:endParaRPr>
+          </a:p>
+        </p:txBody>
+      </p:sp>
+    </p:spTree>
+  </p:cSld>
+  <p:clrMapOvr>
+    <a:masterClrMapping/>
+  </p:clrMapOvr>
+  <mc:AlternateContent xmlns:mc="http://schemas.openxmlformats.org/markup-compatibility/2006">
+    <mc:Choice xmlns:p14="http://schemas.microsoft.com/office/powerpoint/2010/main" Requires="p14">
+      <p:transition spd="slow" p14:dur="2000"/>
+    </mc:Choice>
+    <mc:Fallback>
+      <p:transition spd="slow"/>
+    </mc:Fallback>
+  </mc:AlternateContent>
+  <p:timing>
+    <p:tnLst>
+      <p:par>
+        <p:cTn id="1" dur="indefinite" restart="never" nodeType="tmRoot"/>
+      </p:par>
+    </p:tnLst>
+  </p:timing>
+</p:sld>
+</file>
+
+<file path=ppt/slides/slide40.xml><?xml version="1.0" encoding="utf-8"?>
 <p:sld xmlns:a="http://schemas.openxmlformats.org/drawingml/2006/main" xmlns:r="http://schemas.openxmlformats.org/officeDocument/2006/relationships" xmlns:p="http://schemas.openxmlformats.org/presentationml/2006/main">
   <p:cSld>
     <p:spTree>
@@ -20962,437 +21933,6 @@
   <p:clrMapOvr>
     <a:masterClrMapping/>
   </p:clrMapOvr>
-  <p:timing>
-    <p:tnLst>
-      <p:par>
-        <p:cTn id="1" dur="indefinite" restart="never" nodeType="tmRoot"/>
-      </p:par>
-    </p:tnLst>
-  </p:timing>
-</p:sld>
-</file>
-
-<file path=ppt/slides/slide4.xml><?xml version="1.0" encoding="utf-8"?>
-<p:sld xmlns:a="http://schemas.openxmlformats.org/drawingml/2006/main" xmlns:r="http://schemas.openxmlformats.org/officeDocument/2006/relationships" xmlns:p="http://schemas.openxmlformats.org/presentationml/2006/main">
-  <p:cSld>
-    <p:spTree>
-      <p:nvGrpSpPr>
-        <p:cNvPr id="1" name=""/>
-        <p:cNvGrpSpPr/>
-        <p:nvPr/>
-      </p:nvGrpSpPr>
-      <p:grpSpPr>
-        <a:xfrm>
-          <a:off x="0" y="0"/>
-          <a:ext cx="0" cy="0"/>
-          <a:chOff x="0" y="0"/>
-          <a:chExt cx="0" cy="0"/>
-        </a:xfrm>
-      </p:grpSpPr>
-      <p:sp>
-        <p:nvSpPr>
-          <p:cNvPr id="18" name="矩形 17"/>
-          <p:cNvSpPr/>
-          <p:nvPr/>
-        </p:nvSpPr>
-        <p:spPr>
-          <a:xfrm>
-            <a:off x="0" y="435206"/>
-            <a:ext cx="313060" cy="313058"/>
-          </a:xfrm>
-          <a:prstGeom prst="rect">
-            <a:avLst/>
-          </a:prstGeom>
-          <a:solidFill>
-            <a:schemeClr val="tx1">
-              <a:lumMod val="85000"/>
-              <a:lumOff val="15000"/>
-              <a:alpha val="82000"/>
-            </a:schemeClr>
-          </a:solidFill>
-          <a:ln>
-            <a:noFill/>
-          </a:ln>
-        </p:spPr>
-        <p:style>
-          <a:lnRef idx="2">
-            <a:schemeClr val="accent1">
-              <a:shade val="50000"/>
-            </a:schemeClr>
-          </a:lnRef>
-          <a:fillRef idx="1">
-            <a:schemeClr val="accent1"/>
-          </a:fillRef>
-          <a:effectRef idx="0">
-            <a:schemeClr val="accent1"/>
-          </a:effectRef>
-          <a:fontRef idx="minor">
-            <a:schemeClr val="lt1"/>
-          </a:fontRef>
-        </p:style>
-        <p:txBody>
-          <a:bodyPr rtlCol="0" anchor="ctr"/>
-          <a:lstStyle/>
-          <a:p>
-            <a:pPr algn="ctr"/>
-            <a:endParaRPr lang="zh-CN" altLang="en-US">
-              <a:latin typeface="微软雅黑" panose="020B0503020204020204" pitchFamily="34" charset="-122"/>
-              <a:ea typeface="微软雅黑" panose="020B0503020204020204" pitchFamily="34" charset="-122"/>
-            </a:endParaRPr>
-          </a:p>
-        </p:txBody>
-      </p:sp>
-      <p:sp>
-        <p:nvSpPr>
-          <p:cNvPr id="19" name="文本框 18"/>
-          <p:cNvSpPr txBox="1"/>
-          <p:nvPr/>
-        </p:nvSpPr>
-        <p:spPr>
-          <a:xfrm>
-            <a:off x="21717" y="391680"/>
-            <a:ext cx="335348" cy="400110"/>
-          </a:xfrm>
-          <a:prstGeom prst="rect">
-            <a:avLst/>
-          </a:prstGeom>
-          <a:noFill/>
-          <a:ln>
-            <a:noFill/>
-          </a:ln>
-        </p:spPr>
-        <p:txBody>
-          <a:bodyPr wrap="none" rtlCol="0">
-            <a:spAutoFit/>
-          </a:bodyPr>
-          <a:lstStyle/>
-          <a:p>
-            <a:r>
-              <a:rPr lang="en-US" altLang="zh-CN" sz="2000" smtClean="0">
-                <a:solidFill>
-                  <a:schemeClr val="bg1"/>
-                </a:solidFill>
-                <a:latin typeface="微软雅黑" panose="020B0503020204020204" pitchFamily="34" charset="-122"/>
-                <a:ea typeface="微软雅黑" panose="020B0503020204020204" pitchFamily="34" charset="-122"/>
-              </a:rPr>
-              <a:t>1</a:t>
-            </a:r>
-            <a:endParaRPr lang="zh-CN" altLang="en-US" sz="2000">
-              <a:solidFill>
-                <a:schemeClr val="bg1"/>
-              </a:solidFill>
-              <a:latin typeface="微软雅黑" panose="020B0503020204020204" pitchFamily="34" charset="-122"/>
-              <a:ea typeface="微软雅黑" panose="020B0503020204020204" pitchFamily="34" charset="-122"/>
-            </a:endParaRPr>
-          </a:p>
-        </p:txBody>
-      </p:sp>
-      <p:sp>
-        <p:nvSpPr>
-          <p:cNvPr id="2" name="标题 1"/>
-          <p:cNvSpPr>
-            <a:spLocks noGrp="1"/>
-          </p:cNvSpPr>
-          <p:nvPr>
-            <p:ph type="title"/>
-          </p:nvPr>
-        </p:nvSpPr>
-        <p:spPr/>
-        <p:txBody>
-          <a:bodyPr>
-            <a:normAutofit fontScale="90000"/>
-          </a:bodyPr>
-          <a:lstStyle/>
-          <a:p>
-            <a:r>
-              <a:rPr lang="en-US" sz="4000" dirty="0">
-                <a:latin typeface="微软雅黑" panose="020B0503020204020204" pitchFamily="34" charset="-122"/>
-                <a:ea typeface="微软雅黑" panose="020B0503020204020204" pitchFamily="34" charset="-122"/>
-              </a:rPr>
-              <a:t>GeeQuery 1.12</a:t>
-            </a:r>
-            <a:br>
-              <a:rPr lang="en-US" dirty="0">
-                <a:latin typeface="微软雅黑" panose="020B0503020204020204" pitchFamily="34" charset="-122"/>
-                <a:ea typeface="微软雅黑" panose="020B0503020204020204" pitchFamily="34" charset="-122"/>
-              </a:rPr>
-            </a:br>
-            <a:r>
-              <a:rPr lang="en-US" dirty="0">
-                <a:latin typeface="微软雅黑" panose="020B0503020204020204" pitchFamily="34" charset="-122"/>
-                <a:ea typeface="微软雅黑" panose="020B0503020204020204" pitchFamily="34" charset="-122"/>
-              </a:rPr>
-              <a:t>                         </a:t>
-            </a:r>
-            <a:r>
-              <a:rPr lang="en-US" altLang="zh-CN" sz="2800" dirty="0">
-                <a:latin typeface="微软雅黑" panose="020B0503020204020204" pitchFamily="34" charset="-122"/>
-                <a:ea typeface="微软雅黑" panose="020B0503020204020204" pitchFamily="34" charset="-122"/>
-              </a:rPr>
-              <a:t>——</a:t>
-            </a:r>
-            <a:r>
-              <a:rPr lang="en-US" altLang="zh-CN" sz="2800" dirty="0">
-                <a:latin typeface="微软雅黑" panose="020B0503020204020204" pitchFamily="34" charset="-122"/>
-                <a:ea typeface="微软雅黑" panose="020B0503020204020204" pitchFamily="34" charset="-122"/>
-                <a:sym typeface="+mn-ea"/>
-              </a:rPr>
-              <a:t>Wish it to be the last version of 1.x</a:t>
-            </a:r>
-            <a:br>
-              <a:rPr lang="en-US" altLang="zh-CN" sz="2800" dirty="0">
-                <a:latin typeface="微软雅黑" panose="020B0503020204020204" pitchFamily="34" charset="-122"/>
-                <a:ea typeface="微软雅黑" panose="020B0503020204020204" pitchFamily="34" charset="-122"/>
-              </a:rPr>
-            </a:br>
-            <a:endParaRPr lang="en-US" altLang="zh-CN" sz="2800" dirty="0">
-              <a:latin typeface="微软雅黑" panose="020B0503020204020204" pitchFamily="34" charset="-122"/>
-              <a:ea typeface="微软雅黑" panose="020B0503020204020204" pitchFamily="34" charset="-122"/>
-            </a:endParaRPr>
-          </a:p>
-        </p:txBody>
-      </p:sp>
-      <p:sp>
-        <p:nvSpPr>
-          <p:cNvPr id="3" name="内容占位符 2"/>
-          <p:cNvSpPr>
-            <a:spLocks noGrp="1"/>
-          </p:cNvSpPr>
-          <p:nvPr>
-            <p:ph idx="1"/>
-          </p:nvPr>
-        </p:nvSpPr>
-        <p:spPr>
-          <a:xfrm>
-            <a:off x="838200" y="1619250"/>
-            <a:ext cx="10515600" cy="4576763"/>
-          </a:xfrm>
-        </p:spPr>
-        <p:txBody>
-          <a:bodyPr>
-            <a:normAutofit/>
-          </a:bodyPr>
-          <a:lstStyle/>
-          <a:p>
-            <a:pPr>
-              <a:lnSpc>
-                <a:spcPct val="110000"/>
-              </a:lnSpc>
-            </a:pPr>
-            <a:r>
-              <a:rPr lang="en-US" altLang="zh-CN" dirty="0">
-                <a:latin typeface="微软雅黑" panose="020B0503020204020204" pitchFamily="34" charset="-122"/>
-                <a:ea typeface="微软雅黑" panose="020B0503020204020204" pitchFamily="34" charset="-122"/>
-              </a:rPr>
-              <a:t>Spring supporting</a:t>
-            </a:r>
-            <a:endParaRPr lang="en-US" altLang="zh-CN" dirty="0">
-              <a:latin typeface="微软雅黑" panose="020B0503020204020204" pitchFamily="34" charset="-122"/>
-              <a:ea typeface="微软雅黑" panose="020B0503020204020204" pitchFamily="34" charset="-122"/>
-            </a:endParaRPr>
-          </a:p>
-          <a:p>
-            <a:pPr lvl="1">
-              <a:lnSpc>
-                <a:spcPct val="110000"/>
-              </a:lnSpc>
-            </a:pPr>
-            <a:r>
-              <a:rPr lang="en-US" altLang="zh-CN" dirty="0">
-                <a:latin typeface="微软雅黑" panose="020B0503020204020204" pitchFamily="34" charset="-122"/>
-                <a:ea typeface="微软雅黑" panose="020B0503020204020204" pitchFamily="34" charset="-122"/>
-              </a:rPr>
-              <a:t>Spring 5.x</a:t>
-            </a:r>
-            <a:endParaRPr lang="en-US" altLang="zh-CN" dirty="0">
-              <a:latin typeface="微软雅黑" panose="020B0503020204020204" pitchFamily="34" charset="-122"/>
-              <a:ea typeface="微软雅黑" panose="020B0503020204020204" pitchFamily="34" charset="-122"/>
-            </a:endParaRPr>
-          </a:p>
-          <a:p>
-            <a:pPr lvl="1">
-              <a:lnSpc>
-                <a:spcPct val="110000"/>
-              </a:lnSpc>
-            </a:pPr>
-            <a:r>
-              <a:rPr lang="en-US" altLang="zh-CN" dirty="0">
-                <a:latin typeface="微软雅黑" panose="020B0503020204020204" pitchFamily="34" charset="-122"/>
-                <a:ea typeface="微软雅黑" panose="020B0503020204020204" pitchFamily="34" charset="-122"/>
-              </a:rPr>
-              <a:t>Spring-data v2</a:t>
-            </a:r>
-            <a:endParaRPr lang="en-US" altLang="zh-CN" dirty="0">
-              <a:latin typeface="微软雅黑" panose="020B0503020204020204" pitchFamily="34" charset="-122"/>
-              <a:ea typeface="微软雅黑" panose="020B0503020204020204" pitchFamily="34" charset="-122"/>
-            </a:endParaRPr>
-          </a:p>
-          <a:p>
-            <a:pPr lvl="1">
-              <a:lnSpc>
-                <a:spcPct val="110000"/>
-              </a:lnSpc>
-            </a:pPr>
-            <a:r>
-              <a:rPr lang="en-US" altLang="zh-CN" dirty="0">
-                <a:latin typeface="微软雅黑" panose="020B0503020204020204" pitchFamily="34" charset="-122"/>
-                <a:ea typeface="微软雅黑" panose="020B0503020204020204" pitchFamily="34" charset="-122"/>
-              </a:rPr>
-              <a:t>Spring-boot v2 (Based M7)</a:t>
-            </a:r>
-            <a:endParaRPr lang="en-US" altLang="zh-CN" dirty="0">
-              <a:latin typeface="微软雅黑" panose="020B0503020204020204" pitchFamily="34" charset="-122"/>
-              <a:ea typeface="微软雅黑" panose="020B0503020204020204" pitchFamily="34" charset="-122"/>
-            </a:endParaRPr>
-          </a:p>
-          <a:p>
-            <a:pPr lvl="1">
-              <a:lnSpc>
-                <a:spcPct val="110000"/>
-              </a:lnSpc>
-            </a:pPr>
-            <a:r>
-              <a:rPr lang="en-US" altLang="zh-CN" dirty="0">
-                <a:latin typeface="微软雅黑" panose="020B0503020204020204" pitchFamily="34" charset="-122"/>
-                <a:ea typeface="微软雅黑" panose="020B0503020204020204" pitchFamily="34" charset="-122"/>
-              </a:rPr>
-              <a:t>Spring-autoconfigure supporting, zero-configuration.</a:t>
-            </a:r>
-            <a:endParaRPr lang="en-US" altLang="zh-CN" dirty="0">
-              <a:latin typeface="微软雅黑" panose="020B0503020204020204" pitchFamily="34" charset="-122"/>
-              <a:ea typeface="微软雅黑" panose="020B0503020204020204" pitchFamily="34" charset="-122"/>
-            </a:endParaRPr>
-          </a:p>
-          <a:p>
-            <a:pPr lvl="0">
-              <a:lnSpc>
-                <a:spcPct val="110000"/>
-              </a:lnSpc>
-            </a:pPr>
-            <a:r>
-              <a:rPr lang="en-US" altLang="zh-CN" dirty="0">
-                <a:latin typeface="微软雅黑" panose="020B0503020204020204" pitchFamily="34" charset="-122"/>
-                <a:ea typeface="微软雅黑" panose="020B0503020204020204" pitchFamily="34" charset="-122"/>
-                <a:sym typeface="+mn-ea"/>
-              </a:rPr>
-              <a:t>Be more friendly to IDE debugging</a:t>
-            </a:r>
-            <a:endParaRPr lang="en-US" altLang="zh-CN" sz="2800" dirty="0">
-              <a:latin typeface="微软雅黑" panose="020B0503020204020204" pitchFamily="34" charset="-122"/>
-              <a:ea typeface="微软雅黑" panose="020B0503020204020204" pitchFamily="34" charset="-122"/>
-            </a:endParaRPr>
-          </a:p>
-          <a:p>
-            <a:pPr lvl="1">
-              <a:lnSpc>
-                <a:spcPct val="110000"/>
-              </a:lnSpc>
-            </a:pPr>
-            <a:r>
-              <a:rPr lang="en-US" altLang="zh-CN" sz="2400" dirty="0">
-                <a:latin typeface="微软雅黑" panose="020B0503020204020204" pitchFamily="34" charset="-122"/>
-                <a:ea typeface="微软雅黑" panose="020B0503020204020204" pitchFamily="34" charset="-122"/>
-              </a:rPr>
-              <a:t>Dynamic enhancement (</a:t>
-            </a:r>
-            <a:r>
-              <a:rPr lang="en-US" altLang="zh-CN" dirty="0">
-                <a:latin typeface="微软雅黑" panose="020B0503020204020204" pitchFamily="34" charset="-122"/>
-                <a:ea typeface="微软雅黑" panose="020B0503020204020204" pitchFamily="34" charset="-122"/>
-                <a:sym typeface="+mn-ea"/>
-              </a:rPr>
-              <a:t>Powered by spring-instrument</a:t>
-            </a:r>
-            <a:r>
-              <a:rPr lang="en-US" altLang="zh-CN" sz="2400" dirty="0">
-                <a:latin typeface="微软雅黑" panose="020B0503020204020204" pitchFamily="34" charset="-122"/>
-                <a:ea typeface="微软雅黑" panose="020B0503020204020204" pitchFamily="34" charset="-122"/>
-              </a:rPr>
-              <a:t>)</a:t>
-            </a:r>
-            <a:endParaRPr lang="en-US" altLang="zh-CN" sz="2400" dirty="0">
-              <a:latin typeface="微软雅黑" panose="020B0503020204020204" pitchFamily="34" charset="-122"/>
-              <a:ea typeface="微软雅黑" panose="020B0503020204020204" pitchFamily="34" charset="-122"/>
-            </a:endParaRPr>
-          </a:p>
-          <a:p>
-            <a:pPr lvl="0">
-              <a:lnSpc>
-                <a:spcPct val="110000"/>
-              </a:lnSpc>
-            </a:pPr>
-            <a:r>
-              <a:rPr lang="en-US" altLang="zh-CN" sz="2800" dirty="0">
-                <a:latin typeface="微软雅黑" panose="020B0503020204020204" pitchFamily="34" charset="-122"/>
-                <a:ea typeface="微软雅黑" panose="020B0503020204020204" pitchFamily="34" charset="-122"/>
-              </a:rPr>
-              <a:t>Data initialization.</a:t>
-            </a:r>
-            <a:endParaRPr lang="en-US" altLang="zh-CN" sz="2800" dirty="0">
-              <a:latin typeface="微软雅黑" panose="020B0503020204020204" pitchFamily="34" charset="-122"/>
-              <a:ea typeface="微软雅黑" panose="020B0503020204020204" pitchFamily="34" charset="-122"/>
-            </a:endParaRPr>
-          </a:p>
-          <a:p>
-            <a:pPr lvl="1">
-              <a:lnSpc>
-                <a:spcPct val="110000"/>
-              </a:lnSpc>
-            </a:pPr>
-            <a:r>
-              <a:rPr lang="en-US" altLang="zh-CN" sz="2400" dirty="0">
-                <a:latin typeface="微软雅黑" panose="020B0503020204020204" pitchFamily="34" charset="-122"/>
-                <a:ea typeface="微软雅黑" panose="020B0503020204020204" pitchFamily="34" charset="-122"/>
-              </a:rPr>
-              <a:t>Supporting CSV, SQL with annotation @InitializeData</a:t>
-            </a:r>
-            <a:endParaRPr lang="en-US" altLang="zh-CN" sz="2400" dirty="0">
-              <a:latin typeface="微软雅黑" panose="020B0503020204020204" pitchFamily="34" charset="-122"/>
-              <a:ea typeface="微软雅黑" panose="020B0503020204020204" pitchFamily="34" charset="-122"/>
-            </a:endParaRPr>
-          </a:p>
-          <a:p>
-            <a:pPr lvl="0"/>
-            <a:endParaRPr lang="en-US" altLang="zh-CN" sz="2800" dirty="0">
-              <a:latin typeface="微软雅黑" panose="020B0503020204020204" pitchFamily="34" charset="-122"/>
-              <a:ea typeface="微软雅黑" panose="020B0503020204020204" pitchFamily="34" charset="-122"/>
-            </a:endParaRPr>
-          </a:p>
-          <a:p>
-            <a:pPr lvl="1"/>
-            <a:endParaRPr lang="en-US" altLang="zh-CN" sz="2400" dirty="0">
-              <a:latin typeface="微软雅黑" panose="020B0503020204020204" pitchFamily="34" charset="-122"/>
-              <a:ea typeface="微软雅黑" panose="020B0503020204020204" pitchFamily="34" charset="-122"/>
-            </a:endParaRPr>
-          </a:p>
-          <a:p>
-            <a:pPr lvl="0"/>
-            <a:endParaRPr lang="en-US" altLang="zh-CN" sz="2800" dirty="0">
-              <a:latin typeface="微软雅黑" panose="020B0503020204020204" pitchFamily="34" charset="-122"/>
-              <a:ea typeface="微软雅黑" panose="020B0503020204020204" pitchFamily="34" charset="-122"/>
-            </a:endParaRPr>
-          </a:p>
-          <a:p>
-            <a:endParaRPr lang="en-US" altLang="zh-CN" dirty="0">
-              <a:latin typeface="微软雅黑" panose="020B0503020204020204" pitchFamily="34" charset="-122"/>
-              <a:ea typeface="微软雅黑" panose="020B0503020204020204" pitchFamily="34" charset="-122"/>
-            </a:endParaRPr>
-          </a:p>
-        </p:txBody>
-      </p:sp>
-    </p:spTree>
-  </p:cSld>
-  <p:clrMapOvr>
-    <a:masterClrMapping/>
-  </p:clrMapOvr>
-  <mc:AlternateContent xmlns:mc="http://schemas.openxmlformats.org/markup-compatibility/2006">
-    <mc:Choice xmlns:p14="http://schemas.microsoft.com/office/powerpoint/2010/main" Requires="p14">
-      <p:transition spd="slow" p14:dur="2000"/>
-    </mc:Choice>
-    <mc:Fallback>
-      <p:transition spd="slow"/>
-    </mc:Fallback>
-  </mc:AlternateContent>
   <p:timing>
     <p:tnLst>
       <p:par>
@@ -21601,7 +22141,7 @@
         </p:spPr>
         <p:txBody>
           <a:bodyPr>
-            <a:normAutofit fontScale="80000"/>
+            <a:normAutofit fontScale="70000"/>
           </a:bodyPr>
           <a:lstStyle/>
           <a:p>
@@ -21640,6 +22180,20 @@
                 <a:ea typeface="微软雅黑" panose="020B0503020204020204" pitchFamily="34" charset="-122"/>
               </a:rPr>
               <a:t>Non-blocking query —— Stream API</a:t>
+            </a:r>
+            <a:endParaRPr lang="en-US" altLang="zh-CN" sz="2400" dirty="0">
+              <a:latin typeface="微软雅黑" panose="020B0503020204020204" pitchFamily="34" charset="-122"/>
+              <a:ea typeface="微软雅黑" panose="020B0503020204020204" pitchFamily="34" charset="-122"/>
+            </a:endParaRPr>
+          </a:p>
+          <a:p>
+            <a:pPr lvl="1"/>
+            <a:r>
+              <a:rPr lang="en-US" altLang="zh-CN" sz="2400" dirty="0">
+                <a:latin typeface="微软雅黑" panose="020B0503020204020204" pitchFamily="34" charset="-122"/>
+                <a:ea typeface="微软雅黑" panose="020B0503020204020204" pitchFamily="34" charset="-122"/>
+              </a:rPr>
+              <a:t>FunctionalInterface and lambda expression.</a:t>
             </a:r>
             <a:endParaRPr lang="en-US" altLang="zh-CN" sz="2400" dirty="0">
               <a:latin typeface="微软雅黑" panose="020B0503020204020204" pitchFamily="34" charset="-122"/>
@@ -21734,23 +22288,7 @@
                 <a:ea typeface="微软雅黑" panose="020B0503020204020204" pitchFamily="34" charset="-122"/>
                 <a:sym typeface="+mn-ea"/>
               </a:rPr>
-              <a:t>Constraint/</a:t>
-            </a:r>
-            <a:r>
-              <a:rPr lang="en-US" altLang="zh-CN" sz="2400">
-                <a:latin typeface="微软雅黑" panose="020B0503020204020204" pitchFamily="34" charset="-122"/>
-                <a:ea typeface="微软雅黑" panose="020B0503020204020204" pitchFamily="34" charset="-122"/>
-                <a:sym typeface="+mn-ea"/>
-              </a:rPr>
-              <a:t>Index </a:t>
-            </a:r>
-            <a:r>
-              <a:rPr lang="en-US" altLang="zh-CN" sz="2400">
-                <a:latin typeface="微软雅黑" panose="020B0503020204020204" pitchFamily="34" charset="-122"/>
-                <a:ea typeface="微软雅黑" panose="020B0503020204020204" pitchFamily="34" charset="-122"/>
-                <a:sym typeface="+mn-ea"/>
-              </a:rPr>
-              <a:t>infomation fetch</a:t>
+              <a:t>Constraint/Index infomation fetch</a:t>
             </a:r>
             <a:endParaRPr lang="en-US" altLang="zh-CN" sz="2400">
               <a:latin typeface="微软雅黑" panose="020B0503020204020204" pitchFamily="34" charset="-122"/>
@@ -22212,6 +22750,188 @@
 </file>
 
 <file path=ppt/slides/slide7.xml><?xml version="1.0" encoding="utf-8"?>
+<p:sld xmlns:a="http://schemas.openxmlformats.org/drawingml/2006/main" xmlns:r="http://schemas.openxmlformats.org/officeDocument/2006/relationships" xmlns:p="http://schemas.openxmlformats.org/presentationml/2006/main">
+  <p:cSld>
+    <p:spTree>
+      <p:nvGrpSpPr>
+        <p:cNvPr id="1" name=""/>
+        <p:cNvGrpSpPr/>
+        <p:nvPr/>
+      </p:nvGrpSpPr>
+      <p:grpSpPr/>
+      <p:sp>
+        <p:nvSpPr>
+          <p:cNvPr id="2" name="标题 1"/>
+          <p:cNvSpPr>
+            <a:spLocks noGrp="1"/>
+          </p:cNvSpPr>
+          <p:nvPr>
+            <p:ph type="title"/>
+          </p:nvPr>
+        </p:nvSpPr>
+        <p:spPr/>
+        <p:txBody>
+          <a:bodyPr/>
+          <a:p>
+            <a:r>
+              <a:rPr lang="en-US" altLang="zh-CN"/>
+              <a:t>Spring-boot autoconfigure</a:t>
+            </a:r>
+            <a:endParaRPr lang="en-US" altLang="zh-CN"/>
+          </a:p>
+        </p:txBody>
+      </p:sp>
+      <p:sp>
+        <p:nvSpPr>
+          <p:cNvPr id="3" name="内容占位符 2"/>
+          <p:cNvSpPr>
+            <a:spLocks noGrp="1"/>
+          </p:cNvSpPr>
+          <p:nvPr>
+            <p:ph idx="1"/>
+          </p:nvPr>
+        </p:nvSpPr>
+        <p:spPr/>
+        <p:txBody>
+          <a:bodyPr/>
+          <a:p>
+            <a:r>
+              <a:rPr lang="en-US" altLang="zh-CN"/>
+              <a:t>@EnableAutoConfiguration</a:t>
+            </a:r>
+            <a:endParaRPr lang="en-US" altLang="zh-CN"/>
+          </a:p>
+          <a:p>
+            <a:r>
+              <a:rPr lang="en-US" altLang="zh-CN"/>
+              <a:t>Properties</a:t>
+            </a:r>
+            <a:endParaRPr lang="en-US" altLang="zh-CN"/>
+          </a:p>
+          <a:p>
+            <a:pPr lvl="1"/>
+            <a:r>
+              <a:rPr lang="en-US" altLang="zh-CN"/>
+              <a:t>geequery.packagesToScan</a:t>
+            </a:r>
+            <a:endParaRPr lang="en-US" altLang="zh-CN"/>
+          </a:p>
+          <a:p>
+            <a:pPr lvl="1"/>
+            <a:r>
+              <a:rPr lang="en-US" altLang="zh-CN"/>
+              <a:t>geequery.repos</a:t>
+            </a:r>
+            <a:endParaRPr lang="en-US" altLang="zh-CN"/>
+          </a:p>
+          <a:p>
+            <a:pPr lvl="1"/>
+            <a:endParaRPr lang="en-US" altLang="zh-CN"/>
+          </a:p>
+          <a:p>
+            <a:r>
+              <a:rPr lang="en-US" altLang="zh-CN"/>
+              <a:t>extenal-configuration</a:t>
+            </a:r>
+            <a:endParaRPr lang="en-US" altLang="zh-CN"/>
+          </a:p>
+          <a:p>
+            <a:endParaRPr lang="en-US" altLang="zh-CN"/>
+          </a:p>
+          <a:p>
+            <a:pPr marL="457200" lvl="1" indent="0">
+              <a:buNone/>
+            </a:pPr>
+            <a:endParaRPr lang="en-US" altLang="zh-CN"/>
+          </a:p>
+          <a:p>
+            <a:pPr marL="457200" lvl="1" indent="0">
+              <a:buNone/>
+            </a:pPr>
+            <a:endParaRPr lang="en-US" altLang="zh-CN"/>
+          </a:p>
+        </p:txBody>
+      </p:sp>
+    </p:spTree>
+  </p:cSld>
+  <p:clrMapOvr>
+    <a:masterClrMapping/>
+  </p:clrMapOvr>
+</p:sld>
+</file>
+
+<file path=ppt/slides/slide8.xml><?xml version="1.0" encoding="utf-8"?>
+<p:sld xmlns:a="http://schemas.openxmlformats.org/drawingml/2006/main" xmlns:r="http://schemas.openxmlformats.org/officeDocument/2006/relationships" xmlns:p="http://schemas.openxmlformats.org/presentationml/2006/main">
+  <p:cSld>
+    <p:spTree>
+      <p:nvGrpSpPr>
+        <p:cNvPr id="1" name=""/>
+        <p:cNvGrpSpPr/>
+        <p:nvPr/>
+      </p:nvGrpSpPr>
+      <p:grpSpPr/>
+      <p:sp>
+        <p:nvSpPr>
+          <p:cNvPr id="2" name="标题 1"/>
+          <p:cNvSpPr>
+            <a:spLocks noGrp="1"/>
+          </p:cNvSpPr>
+          <p:nvPr>
+            <p:ph type="title"/>
+          </p:nvPr>
+        </p:nvSpPr>
+        <p:spPr/>
+        <p:txBody>
+          <a:bodyPr/>
+          <a:p>
+            <a:r>
+              <a:rPr lang="en-US" altLang="zh-CN"/>
+              <a:t>Spring-boot test</a:t>
+            </a:r>
+            <a:endParaRPr lang="en-US" altLang="zh-CN"/>
+          </a:p>
+        </p:txBody>
+      </p:sp>
+      <p:sp>
+        <p:nvSpPr>
+          <p:cNvPr id="3" name="内容占位符 2"/>
+          <p:cNvSpPr>
+            <a:spLocks noGrp="1"/>
+          </p:cNvSpPr>
+          <p:nvPr>
+            <p:ph idx="1"/>
+          </p:nvPr>
+        </p:nvSpPr>
+        <p:spPr/>
+        <p:txBody>
+          <a:bodyPr/>
+          <a:p>
+            <a:r>
+              <a:rPr lang="en-US" altLang="zh-CN"/>
+              <a:t>@GeeQueryTest</a:t>
+            </a:r>
+            <a:endParaRPr lang="en-US" altLang="zh-CN"/>
+          </a:p>
+          <a:p>
+            <a:r>
+              <a:rPr lang="en-US" altLang="zh-CN">
+                <a:sym typeface="+mn-ea"/>
+              </a:rPr>
+              <a:t>@TestProperty</a:t>
+            </a:r>
+            <a:endParaRPr lang="en-US" altLang="zh-CN"/>
+          </a:p>
+        </p:txBody>
+      </p:sp>
+    </p:spTree>
+  </p:cSld>
+  <p:clrMapOvr>
+    <a:masterClrMapping/>
+  </p:clrMapOvr>
+</p:sld>
+</file>
+
+<file path=ppt/slides/slide9.xml><?xml version="1.0" encoding="utf-8"?>
 <p:sld xmlns:a="http://schemas.openxmlformats.org/drawingml/2006/main" xmlns:r="http://schemas.openxmlformats.org/officeDocument/2006/relationships" xmlns:p="http://schemas.openxmlformats.org/presentationml/2006/main">
   <p:cSld>
     <p:spTree>
@@ -22455,471 +23175,6 @@
                   <a:alpha val="90000"/>
                 </a:schemeClr>
               </a:solidFill>
-              <a:latin typeface="微软雅黑" panose="020B0503020204020204" pitchFamily="34" charset="-122"/>
-              <a:ea typeface="微软雅黑" panose="020B0503020204020204" pitchFamily="34" charset="-122"/>
-            </a:endParaRPr>
-          </a:p>
-        </p:txBody>
-      </p:sp>
-    </p:spTree>
-  </p:cSld>
-  <p:clrMapOvr>
-    <a:masterClrMapping/>
-  </p:clrMapOvr>
-  <p:timing>
-    <p:tnLst>
-      <p:par>
-        <p:cTn id="1" dur="indefinite" restart="never" nodeType="tmRoot"/>
-      </p:par>
-    </p:tnLst>
-  </p:timing>
-</p:sld>
-</file>
-
-<file path=ppt/slides/slide8.xml><?xml version="1.0" encoding="utf-8"?>
-<p:sld xmlns:a="http://schemas.openxmlformats.org/drawingml/2006/main" xmlns:r="http://schemas.openxmlformats.org/officeDocument/2006/relationships" xmlns:p="http://schemas.openxmlformats.org/presentationml/2006/main">
-  <p:cSld>
-    <p:spTree>
-      <p:nvGrpSpPr>
-        <p:cNvPr id="1" name=""/>
-        <p:cNvGrpSpPr/>
-        <p:nvPr/>
-      </p:nvGrpSpPr>
-      <p:grpSpPr>
-        <a:xfrm>
-          <a:off x="0" y="0"/>
-          <a:ext cx="0" cy="0"/>
-          <a:chOff x="0" y="0"/>
-          <a:chExt cx="0" cy="0"/>
-        </a:xfrm>
-      </p:grpSpPr>
-      <p:grpSp>
-        <p:nvGrpSpPr>
-          <p:cNvPr id="4" name="组合 3"/>
-          <p:cNvGrpSpPr/>
-          <p:nvPr/>
-        </p:nvGrpSpPr>
-        <p:grpSpPr>
-          <a:xfrm>
-            <a:off x="5062108" y="2537714"/>
-            <a:ext cx="2067783" cy="1782572"/>
-            <a:chOff x="5007865" y="1755992"/>
-            <a:chExt cx="2067783" cy="1782572"/>
-          </a:xfrm>
-        </p:grpSpPr>
-        <p:sp>
-          <p:nvSpPr>
-            <p:cNvPr id="5" name="等腰三角形 4"/>
-            <p:cNvSpPr/>
-            <p:nvPr/>
-          </p:nvSpPr>
-          <p:spPr>
-            <a:xfrm>
-              <a:off x="5007865" y="1755992"/>
-              <a:ext cx="2067783" cy="1782572"/>
-            </a:xfrm>
-            <a:prstGeom prst="triangle">
-              <a:avLst/>
-            </a:prstGeom>
-            <a:solidFill>
-              <a:schemeClr val="tx1">
-                <a:lumMod val="85000"/>
-                <a:lumOff val="15000"/>
-                <a:alpha val="66000"/>
-              </a:schemeClr>
-            </a:solidFill>
-            <a:ln>
-              <a:noFill/>
-            </a:ln>
-          </p:spPr>
-          <p:style>
-            <a:lnRef idx="2">
-              <a:schemeClr val="accent1">
-                <a:shade val="50000"/>
-              </a:schemeClr>
-            </a:lnRef>
-            <a:fillRef idx="1">
-              <a:schemeClr val="accent1"/>
-            </a:fillRef>
-            <a:effectRef idx="0">
-              <a:schemeClr val="accent1"/>
-            </a:effectRef>
-            <a:fontRef idx="minor">
-              <a:schemeClr val="lt1"/>
-            </a:fontRef>
-          </p:style>
-          <p:txBody>
-            <a:bodyPr rtlCol="0" anchor="ctr"/>
-            <a:lstStyle/>
-            <a:p>
-              <a:pPr algn="ctr"/>
-              <a:endParaRPr lang="zh-CN" altLang="en-US"/>
-            </a:p>
-          </p:txBody>
-        </p:sp>
-        <p:sp>
-          <p:nvSpPr>
-            <p:cNvPr id="6" name="文本框 13"/>
-            <p:cNvSpPr txBox="1"/>
-            <p:nvPr/>
-          </p:nvSpPr>
-          <p:spPr>
-            <a:xfrm>
-              <a:off x="5304910" y="2968729"/>
-              <a:ext cx="1518920" cy="398780"/>
-            </a:xfrm>
-            <a:prstGeom prst="rect">
-              <a:avLst/>
-            </a:prstGeom>
-            <a:noFill/>
-          </p:spPr>
-          <p:txBody>
-            <a:bodyPr wrap="none" rtlCol="0">
-              <a:spAutoFit/>
-            </a:bodyPr>
-            <a:lstStyle/>
-            <a:p>
-              <a:pPr algn="ctr"/>
-              <a:r>
-                <a:rPr lang="en-US" sz="2000" spc="200" dirty="0" smtClean="0">
-                  <a:solidFill>
-                    <a:schemeClr val="bg1">
-                      <a:alpha val="90000"/>
-                    </a:schemeClr>
-                  </a:solidFill>
-                  <a:latin typeface="微软雅黑" panose="020B0503020204020204" pitchFamily="34" charset="-122"/>
-                  <a:ea typeface="微软雅黑" panose="020B0503020204020204" pitchFamily="34" charset="-122"/>
-                  <a:sym typeface="+mn-ea"/>
-                </a:rPr>
-                <a:t>Roadmap</a:t>
-              </a:r>
-              <a:endParaRPr lang="zh-CN" altLang="en-US" sz="2000" dirty="0">
-                <a:solidFill>
-                  <a:schemeClr val="bg1">
-                    <a:alpha val="90000"/>
-                  </a:schemeClr>
-                </a:solidFill>
-                <a:latin typeface="微软雅黑" panose="020B0503020204020204" pitchFamily="34" charset="-122"/>
-                <a:ea typeface="微软雅黑" panose="020B0503020204020204" pitchFamily="34" charset="-122"/>
-              </a:endParaRPr>
-            </a:p>
-          </p:txBody>
-        </p:sp>
-        <p:sp>
-          <p:nvSpPr>
-            <p:cNvPr id="7" name="等腰三角形 6"/>
-            <p:cNvSpPr/>
-            <p:nvPr/>
-          </p:nvSpPr>
-          <p:spPr>
-            <a:xfrm>
-              <a:off x="5769500" y="1846728"/>
-              <a:ext cx="544512" cy="469407"/>
-            </a:xfrm>
-            <a:prstGeom prst="triangle">
-              <a:avLst/>
-            </a:prstGeom>
-            <a:solidFill>
-              <a:schemeClr val="tx1">
-                <a:lumMod val="85000"/>
-                <a:lumOff val="15000"/>
-                <a:alpha val="66000"/>
-              </a:schemeClr>
-            </a:solidFill>
-            <a:ln>
-              <a:noFill/>
-            </a:ln>
-          </p:spPr>
-          <p:style>
-            <a:lnRef idx="2">
-              <a:schemeClr val="accent1">
-                <a:shade val="50000"/>
-              </a:schemeClr>
-            </a:lnRef>
-            <a:fillRef idx="1">
-              <a:schemeClr val="accent1"/>
-            </a:fillRef>
-            <a:effectRef idx="0">
-              <a:schemeClr val="accent1"/>
-            </a:effectRef>
-            <a:fontRef idx="minor">
-              <a:schemeClr val="lt1"/>
-            </a:fontRef>
-          </p:style>
-          <p:txBody>
-            <a:bodyPr rtlCol="0" anchor="ctr"/>
-            <a:lstStyle/>
-            <a:p>
-              <a:pPr algn="ctr"/>
-              <a:endParaRPr lang="zh-CN" altLang="en-US"/>
-            </a:p>
-          </p:txBody>
-        </p:sp>
-        <p:sp>
-          <p:nvSpPr>
-            <p:cNvPr id="8" name="文本框 15"/>
-            <p:cNvSpPr txBox="1"/>
-            <p:nvPr/>
-          </p:nvSpPr>
-          <p:spPr>
-            <a:xfrm>
-              <a:off x="5885303" y="1919575"/>
-              <a:ext cx="310515" cy="398780"/>
-            </a:xfrm>
-            <a:prstGeom prst="rect">
-              <a:avLst/>
-            </a:prstGeom>
-            <a:noFill/>
-            <a:ln>
-              <a:noFill/>
-            </a:ln>
-          </p:spPr>
-          <p:txBody>
-            <a:bodyPr wrap="none" rtlCol="0">
-              <a:spAutoFit/>
-            </a:bodyPr>
-            <a:lstStyle/>
-            <a:p>
-              <a:r>
-                <a:rPr lang="en-US" sz="2000" b="1" smtClean="0">
-                  <a:solidFill>
-                    <a:schemeClr val="bg1">
-                      <a:alpha val="80000"/>
-                    </a:schemeClr>
-                  </a:solidFill>
-                  <a:latin typeface="时尚中黑简体" panose="01010104010101010101" pitchFamily="2" charset="-122"/>
-                  <a:ea typeface="时尚中黑简体" panose="01010104010101010101" pitchFamily="2" charset="-122"/>
-                </a:rPr>
-                <a:t>4</a:t>
-              </a:r>
-              <a:endParaRPr lang="en-US" sz="2000" b="1">
-                <a:solidFill>
-                  <a:schemeClr val="bg1">
-                    <a:alpha val="80000"/>
-                  </a:schemeClr>
-                </a:solidFill>
-                <a:latin typeface="时尚中黑简体" panose="01010104010101010101" pitchFamily="2" charset="-122"/>
-                <a:ea typeface="时尚中黑简体" panose="01010104010101010101" pitchFamily="2" charset="-122"/>
-              </a:endParaRPr>
-            </a:p>
-          </p:txBody>
-        </p:sp>
-      </p:grpSp>
-    </p:spTree>
-  </p:cSld>
-  <p:clrMapOvr>
-    <a:masterClrMapping/>
-  </p:clrMapOvr>
-  <p:timing>
-    <p:tnLst>
-      <p:par>
-        <p:cTn id="1" dur="indefinite" restart="never" nodeType="tmRoot"/>
-      </p:par>
-    </p:tnLst>
-  </p:timing>
-</p:sld>
-</file>
-
-<file path=ppt/slides/slide9.xml><?xml version="1.0" encoding="utf-8"?>
-<p:sld xmlns:a="http://schemas.openxmlformats.org/drawingml/2006/main" xmlns:r="http://schemas.openxmlformats.org/officeDocument/2006/relationships" xmlns:p="http://schemas.openxmlformats.org/presentationml/2006/main">
-  <p:cSld>
-    <p:spTree>
-      <p:nvGrpSpPr>
-        <p:cNvPr id="1" name=""/>
-        <p:cNvGrpSpPr/>
-        <p:nvPr/>
-      </p:nvGrpSpPr>
-      <p:grpSpPr>
-        <a:xfrm>
-          <a:off x="0" y="0"/>
-          <a:ext cx="0" cy="0"/>
-          <a:chOff x="0" y="0"/>
-          <a:chExt cx="0" cy="0"/>
-        </a:xfrm>
-      </p:grpSpPr>
-      <p:sp>
-        <p:nvSpPr>
-          <p:cNvPr id="4" name="标题 3"/>
-          <p:cNvSpPr>
-            <a:spLocks noGrp="1"/>
-          </p:cNvSpPr>
-          <p:nvPr>
-            <p:ph type="title"/>
-          </p:nvPr>
-        </p:nvSpPr>
-        <p:spPr/>
-        <p:txBody>
-          <a:bodyPr/>
-          <a:lstStyle/>
-          <a:p>
-            <a:r>
-              <a:rPr lang="en-US" altLang="zh-CN" dirty="0" smtClean="0">
-                <a:latin typeface="微软雅黑" panose="020B0503020204020204" pitchFamily="34" charset="-122"/>
-                <a:ea typeface="微软雅黑" panose="020B0503020204020204" pitchFamily="34" charset="-122"/>
-              </a:rPr>
-              <a:t>Roadmap</a:t>
-            </a:r>
-            <a:r>
-              <a:rPr lang="zh-CN" altLang="en-US" dirty="0" smtClean="0">
-                <a:latin typeface="微软雅黑" panose="020B0503020204020204" pitchFamily="34" charset="-122"/>
-                <a:ea typeface="微软雅黑" panose="020B0503020204020204" pitchFamily="34" charset="-122"/>
-              </a:rPr>
-              <a:t>  </a:t>
-            </a:r>
-            <a:r>
-              <a:rPr lang="en-US" altLang="zh-CN" smtClean="0">
-                <a:latin typeface="微软雅黑" panose="020B0503020204020204" pitchFamily="34" charset="-122"/>
-                <a:ea typeface="微软雅黑" panose="020B0503020204020204" pitchFamily="34" charset="-122"/>
-              </a:rPr>
-              <a:t>- 2.0 —— 2018 Q3</a:t>
-            </a:r>
-            <a:endParaRPr lang="zh-CN" altLang="en-US" dirty="0">
-              <a:latin typeface="微软雅黑" panose="020B0503020204020204" pitchFamily="34" charset="-122"/>
-              <a:ea typeface="微软雅黑" panose="020B0503020204020204" pitchFamily="34" charset="-122"/>
-            </a:endParaRPr>
-          </a:p>
-        </p:txBody>
-      </p:sp>
-      <p:sp>
-        <p:nvSpPr>
-          <p:cNvPr id="5" name="内容占位符 4"/>
-          <p:cNvSpPr>
-            <a:spLocks noGrp="1"/>
-          </p:cNvSpPr>
-          <p:nvPr>
-            <p:ph idx="1"/>
-          </p:nvPr>
-        </p:nvSpPr>
-        <p:spPr/>
-        <p:txBody>
-          <a:bodyPr>
-            <a:normAutofit/>
-          </a:bodyPr>
-          <a:lstStyle/>
-          <a:p>
-            <a:r>
-              <a:rPr lang="en-US" altLang="zh-CN" dirty="0" smtClean="0">
-                <a:latin typeface="微软雅黑" panose="020B0503020204020204" pitchFamily="34" charset="-122"/>
-                <a:ea typeface="微软雅黑" panose="020B0503020204020204" pitchFamily="34" charset="-122"/>
-              </a:rPr>
-              <a:t>Entity class will be a POJO.</a:t>
-            </a:r>
-            <a:endParaRPr lang="en-US" altLang="zh-CN" dirty="0" smtClean="0">
-              <a:latin typeface="微软雅黑" panose="020B0503020204020204" pitchFamily="34" charset="-122"/>
-              <a:ea typeface="微软雅黑" panose="020B0503020204020204" pitchFamily="34" charset="-122"/>
-            </a:endParaRPr>
-          </a:p>
-          <a:p>
-            <a:pPr lvl="1"/>
-            <a:r>
-              <a:rPr lang="en-US" altLang="zh-CN" sz="2400" dirty="0" smtClean="0">
-                <a:latin typeface="微软雅黑" panose="020B0503020204020204" pitchFamily="34" charset="-122"/>
-                <a:ea typeface="微软雅黑" panose="020B0503020204020204" pitchFamily="34" charset="-122"/>
-              </a:rPr>
-              <a:t>Using QueryDSL, Query object will be </a:t>
-            </a:r>
-            <a:r>
-              <a:rPr lang="en-US" altLang="zh-CN" dirty="0" smtClean="0">
-                <a:latin typeface="微软雅黑" panose="020B0503020204020204" pitchFamily="34" charset="-122"/>
-                <a:ea typeface="微软雅黑" panose="020B0503020204020204" pitchFamily="34" charset="-122"/>
-                <a:sym typeface="+mn-ea"/>
-              </a:rPr>
-              <a:t>generated as Qxxxx.class</a:t>
-            </a:r>
-            <a:endParaRPr lang="en-US" altLang="zh-CN" dirty="0" smtClean="0">
-              <a:latin typeface="微软雅黑" panose="020B0503020204020204" pitchFamily="34" charset="-122"/>
-              <a:ea typeface="微软雅黑" panose="020B0503020204020204" pitchFamily="34" charset="-122"/>
-              <a:sym typeface="+mn-ea"/>
-            </a:endParaRPr>
-          </a:p>
-          <a:p>
-            <a:pPr lvl="0"/>
-            <a:r>
-              <a:rPr lang="en-US" altLang="zh-CN" sz="2800" dirty="0" smtClean="0">
-                <a:latin typeface="微软雅黑" panose="020B0503020204020204" pitchFamily="34" charset="-122"/>
-                <a:ea typeface="微软雅黑" panose="020B0503020204020204" pitchFamily="34" charset="-122"/>
-                <a:sym typeface="+mn-ea"/>
-              </a:rPr>
-              <a:t>To be more light-weight</a:t>
-            </a:r>
-            <a:endParaRPr lang="en-US" altLang="zh-CN" sz="2800" dirty="0" smtClean="0">
-              <a:latin typeface="微软雅黑" panose="020B0503020204020204" pitchFamily="34" charset="-122"/>
-              <a:ea typeface="微软雅黑" panose="020B0503020204020204" pitchFamily="34" charset="-122"/>
-              <a:sym typeface="+mn-ea"/>
-            </a:endParaRPr>
-          </a:p>
-          <a:p>
-            <a:pPr lvl="1"/>
-            <a:r>
-              <a:rPr lang="en-US" altLang="zh-CN" sz="2400" dirty="0" smtClean="0">
-                <a:latin typeface="微软雅黑" panose="020B0503020204020204" pitchFamily="34" charset="-122"/>
-                <a:ea typeface="微软雅黑" panose="020B0503020204020204" pitchFamily="34" charset="-122"/>
-                <a:sym typeface="+mn-ea"/>
-              </a:rPr>
-              <a:t>Remove connection pool feature.</a:t>
-            </a:r>
-            <a:endParaRPr lang="en-US" altLang="zh-CN" sz="2400" dirty="0" smtClean="0">
-              <a:latin typeface="微软雅黑" panose="020B0503020204020204" pitchFamily="34" charset="-122"/>
-              <a:ea typeface="微软雅黑" panose="020B0503020204020204" pitchFamily="34" charset="-122"/>
-              <a:sym typeface="+mn-ea"/>
-            </a:endParaRPr>
-          </a:p>
-          <a:p>
-            <a:pPr lvl="1"/>
-            <a:r>
-              <a:rPr lang="en-US" altLang="zh-CN" sz="2400" dirty="0" smtClean="0">
-                <a:latin typeface="微软雅黑" panose="020B0503020204020204" pitchFamily="34" charset="-122"/>
-                <a:ea typeface="微软雅黑" panose="020B0503020204020204" pitchFamily="34" charset="-122"/>
-                <a:sym typeface="+mn-ea"/>
-              </a:rPr>
-              <a:t>Remove partition-feature.</a:t>
-            </a:r>
-            <a:endParaRPr lang="en-US" altLang="zh-CN" sz="2400" dirty="0" smtClean="0">
-              <a:latin typeface="微软雅黑" panose="020B0503020204020204" pitchFamily="34" charset="-122"/>
-              <a:ea typeface="微软雅黑" panose="020B0503020204020204" pitchFamily="34" charset="-122"/>
-              <a:sym typeface="+mn-ea"/>
-            </a:endParaRPr>
-          </a:p>
-          <a:p>
-            <a:pPr lvl="1"/>
-            <a:r>
-              <a:rPr lang="en-US" altLang="zh-CN" sz="2400" dirty="0" smtClean="0">
-                <a:latin typeface="微软雅黑" panose="020B0503020204020204" pitchFamily="34" charset="-122"/>
-                <a:ea typeface="微软雅黑" panose="020B0503020204020204" pitchFamily="34" charset="-122"/>
-                <a:sym typeface="+mn-ea"/>
-              </a:rPr>
-              <a:t>Keep core-features only.</a:t>
-            </a:r>
-            <a:endParaRPr lang="en-US" altLang="zh-CN" sz="2400" dirty="0" smtClean="0">
-              <a:latin typeface="微软雅黑" panose="020B0503020204020204" pitchFamily="34" charset="-122"/>
-              <a:ea typeface="微软雅黑" panose="020B0503020204020204" pitchFamily="34" charset="-122"/>
-              <a:sym typeface="+mn-ea"/>
-            </a:endParaRPr>
-          </a:p>
-          <a:p>
-            <a:pPr lvl="1"/>
-            <a:r>
-              <a:rPr lang="en-US" altLang="zh-CN" sz="2400" dirty="0" smtClean="0">
-                <a:latin typeface="微软雅黑" panose="020B0503020204020204" pitchFamily="34" charset="-122"/>
-                <a:ea typeface="微软雅黑" panose="020B0503020204020204" pitchFamily="34" charset="-122"/>
-                <a:sym typeface="+mn-ea"/>
-              </a:rPr>
-              <a:t>Keep spring-data query API only. remove other APIs.</a:t>
-            </a:r>
-            <a:endParaRPr lang="en-US" altLang="zh-CN" sz="2400" dirty="0" smtClean="0">
-              <a:latin typeface="微软雅黑" panose="020B0503020204020204" pitchFamily="34" charset="-122"/>
-              <a:ea typeface="微软雅黑" panose="020B0503020204020204" pitchFamily="34" charset="-122"/>
-              <a:sym typeface="+mn-ea"/>
-            </a:endParaRPr>
-          </a:p>
-          <a:p>
-            <a:endParaRPr lang="en-US" altLang="zh-CN" dirty="0" smtClean="0">
-              <a:latin typeface="微软雅黑" panose="020B0503020204020204" pitchFamily="34" charset="-122"/>
-              <a:ea typeface="微软雅黑" panose="020B0503020204020204" pitchFamily="34" charset="-122"/>
-            </a:endParaRPr>
-          </a:p>
-          <a:p>
-            <a:endParaRPr lang="zh-CN" altLang="en-US" dirty="0">
               <a:latin typeface="微软雅黑" panose="020B0503020204020204" pitchFamily="34" charset="-122"/>
               <a:ea typeface="微软雅黑" panose="020B0503020204020204" pitchFamily="34" charset="-122"/>
             </a:endParaRPr>
